--- a/Метеосервис презентация.pptx
+++ b/Метеосервис презентация.pptx
@@ -115,6 +115,11 @@
       </a:defRPr>
     </a:lvl9pPr>
   </p:defaultTextStyle>
+  <p:extLst>
+    <p:ext uri="{EFAFB233-063F-42B5-8137-9DF3F51BA10A}">
+      <p15:sldGuideLst xmlns:p15="http://schemas.microsoft.com/office/powerpoint/2012/main"/>
+    </p:ext>
+  </p:extLst>
 </p:presentation>
 </file>
 
@@ -591,7 +596,7 @@
           <a:p>
             <a:fld id="{A76EB9D5-7E1A-4433-8B21-2237CC26FA2C}" type="datetimeFigureOut">
               <a:rPr lang="en-US" dirty="0"/>
-              <a:t>12/24/2019</a:t>
+              <a:t>1/23/2020</a:t>
             </a:fld>
             <a:endParaRPr lang="en-US" dirty="0"/>
           </a:p>
@@ -789,7 +794,7 @@
           <a:p>
             <a:fld id="{62598A19-B9D6-4696-A74D-9FEF900C8B6A}" type="datetimeFigureOut">
               <a:rPr lang="en-US" dirty="0"/>
-              <a:t>12/24/2019</a:t>
+              <a:t>1/23/2020</a:t>
             </a:fld>
             <a:endParaRPr lang="en-US" dirty="0"/>
           </a:p>
@@ -964,7 +969,7 @@
           <a:p>
             <a:fld id="{9A205100-39B0-4914-BBD6-34F267582565}" type="datetimeFigureOut">
               <a:rPr lang="en-US" dirty="0"/>
-              <a:t>12/24/2019</a:t>
+              <a:t>1/23/2020</a:t>
             </a:fld>
             <a:endParaRPr lang="en-US" dirty="0"/>
           </a:p>
@@ -1129,7 +1134,7 @@
           <a:p>
             <a:fld id="{539EF837-FEDB-44F2-8FB5-4F56FC548A33}" type="datetimeFigureOut">
               <a:rPr lang="en-US" dirty="0"/>
-              <a:t>12/24/2019</a:t>
+              <a:t>1/23/2020</a:t>
             </a:fld>
             <a:endParaRPr lang="en-US" dirty="0"/>
           </a:p>
@@ -1704,7 +1709,7 @@
           <a:p>
             <a:fld id="{4EC2AB55-62C0-407E-B706-C907B44B0BFC}" type="datetimeFigureOut">
               <a:rPr lang="en-US" dirty="0"/>
-              <a:t>12/24/2019</a:t>
+              <a:t>1/23/2020</a:t>
             </a:fld>
             <a:endParaRPr lang="en-US" dirty="0"/>
           </a:p>
@@ -2001,7 +2006,7 @@
           <a:p>
             <a:fld id="{69FBB33F-FEF5-4E73-A5F9-307689FE77C6}" type="datetimeFigureOut">
               <a:rPr lang="en-US" dirty="0"/>
-              <a:t>12/24/2019</a:t>
+              <a:t>1/23/2020</a:t>
             </a:fld>
             <a:endParaRPr lang="en-US" dirty="0"/>
           </a:p>
@@ -2433,7 +2438,7 @@
           <a:p>
             <a:fld id="{A64B5FA4-F0B8-4D71-BC92-932E3A1502F8}" type="datetimeFigureOut">
               <a:rPr lang="en-US" dirty="0"/>
-              <a:t>12/24/2019</a:t>
+              <a:t>1/23/2020</a:t>
             </a:fld>
             <a:endParaRPr lang="en-US" dirty="0"/>
           </a:p>
@@ -2546,7 +2551,7 @@
           <a:p>
             <a:fld id="{4FD89F80-C2CE-4D6A-80E4-D3515AD92BC6}" type="datetimeFigureOut">
               <a:rPr lang="en-US" dirty="0"/>
-              <a:t>12/24/2019</a:t>
+              <a:t>1/23/2020</a:t>
             </a:fld>
             <a:endParaRPr lang="en-US" dirty="0"/>
           </a:p>
@@ -2636,7 +2641,7 @@
           <a:p>
             <a:fld id="{03E4220E-EF40-477E-B84C-637FC7CE78DB}" type="datetimeFigureOut">
               <a:rPr lang="en-US" dirty="0"/>
-              <a:t>12/24/2019</a:t>
+              <a:t>1/23/2020</a:t>
             </a:fld>
             <a:endParaRPr lang="en-US" dirty="0"/>
           </a:p>
@@ -2975,7 +2980,7 @@
           <a:p>
             <a:fld id="{FD0B8D63-E026-4E54-B301-C824E1BD14F3}" type="datetimeFigureOut">
               <a:rPr lang="en-US" dirty="0"/>
-              <a:t>12/24/2019</a:t>
+              <a:t>1/23/2020</a:t>
             </a:fld>
             <a:endParaRPr lang="en-US" dirty="0"/>
           </a:p>
@@ -3360,7 +3365,7 @@
           <a:p>
             <a:fld id="{6C423185-9573-406A-8068-0AB4F2335019}" type="datetimeFigureOut">
               <a:rPr lang="en-US" dirty="0"/>
-              <a:t>12/24/2019</a:t>
+              <a:t>1/23/2020</a:t>
             </a:fld>
             <a:endParaRPr lang="en-US" dirty="0"/>
           </a:p>
@@ -3664,7 +3669,7 @@
           <a:p>
             <a:fld id="{6C5516DA-9D86-4E1E-A623-C11F9F74EB59}" type="datetimeFigureOut">
               <a:rPr lang="en-US" dirty="0"/>
-              <a:t>12/24/2019</a:t>
+              <a:t>1/23/2020</a:t>
             </a:fld>
             <a:endParaRPr lang="en-US" dirty="0"/>
           </a:p>
@@ -5498,17 +5503,78 @@
                   <a:schemeClr val="tx1"/>
                 </a:solidFill>
               </a:rPr>
-              <a:t>Датчик                                                                        Клиент</a:t>
-            </a:r>
-          </a:p>
-          <a:p>
+              <a:t>   Датчик                                                       Клиент </a:t>
+            </a:r>
+            <a:r>
+              <a:rPr lang="en-US" sz="2400" b="1" dirty="0" smtClean="0">
+                <a:solidFill>
+                  <a:schemeClr val="tx1"/>
+                </a:solidFill>
+              </a:rPr>
+              <a:t>Android App</a:t>
+            </a:r>
+            <a:r>
+              <a:rPr lang="ru-RU" sz="2400" b="1" dirty="0" smtClean="0">
+                <a:solidFill>
+                  <a:schemeClr val="tx1"/>
+                </a:solidFill>
+              </a:rPr>
+              <a:t> Датчик                                                       Клиент</a:t>
+            </a:r>
+            <a:r>
+              <a:rPr lang="en-US" sz="2400" b="1" dirty="0" smtClean="0">
+                <a:solidFill>
+                  <a:schemeClr val="tx1"/>
+                </a:solidFill>
+              </a:rPr>
+              <a:t> </a:t>
+            </a:r>
+            <a:r>
+              <a:rPr lang="ru-RU" sz="2400" b="1" dirty="0" smtClean="0">
+                <a:solidFill>
+                  <a:schemeClr val="tx1"/>
+                </a:solidFill>
+              </a:rPr>
+              <a:t>через сайт</a:t>
+            </a:r>
+            <a:endParaRPr lang="ru-RU" sz="2400" b="1" dirty="0">
+              <a:solidFill>
+                <a:schemeClr val="tx1"/>
+              </a:solidFill>
+            </a:endParaRPr>
+          </a:p>
+          <a:p>
+            <a:r>
+              <a:rPr lang="ru-RU" sz="2400" b="1" dirty="0" smtClean="0">
+                <a:solidFill>
+                  <a:schemeClr val="tx1"/>
+                </a:solidFill>
+              </a:rPr>
+              <a:t>   Датчик                                                       </a:t>
+            </a:r>
+            <a:r>
+              <a:rPr lang="ru-RU" sz="2400" b="1" dirty="0" smtClean="0">
+                <a:solidFill>
+                  <a:schemeClr val="tx1"/>
+                </a:solidFill>
+              </a:rPr>
+              <a:t>Клиент </a:t>
+            </a:r>
+            <a:r>
+              <a:rPr lang="en-US" sz="2400" b="1" dirty="0">
+                <a:solidFill>
+                  <a:schemeClr val="tx1"/>
+                </a:solidFill>
+              </a:rPr>
+              <a:t>Android App</a:t>
+            </a:r>
             <a:r>
               <a:rPr lang="ru-RU" sz="2400" b="1" dirty="0">
                 <a:solidFill>
                   <a:schemeClr val="tx1"/>
                 </a:solidFill>
               </a:rPr>
-              <a:t>Датчик                                             </a:t>
+              <a:t> </a:t>
             </a:r>
             <a:r>
               <a:rPr lang="ru-RU" sz="2400" b="1" dirty="0" smtClean="0">
@@ -5516,61 +5582,9 @@
                   <a:schemeClr val="tx1"/>
                 </a:solidFill>
               </a:rPr>
-              <a:t>                           </a:t>
-            </a:r>
-            <a:r>
-              <a:rPr lang="ru-RU" sz="2400" b="1" dirty="0">
-                <a:solidFill>
-                  <a:schemeClr val="tx1"/>
-                </a:solidFill>
-              </a:rPr>
-              <a:t>Клиент</a:t>
-            </a:r>
-          </a:p>
-          <a:p>
-            <a:r>
-              <a:rPr lang="ru-RU" sz="2400" b="1" dirty="0">
-                <a:solidFill>
-                  <a:schemeClr val="tx1"/>
-                </a:solidFill>
-              </a:rPr>
-              <a:t>Датчик                                             </a:t>
-            </a:r>
-            <a:r>
-              <a:rPr lang="ru-RU" sz="2400" b="1" dirty="0" smtClean="0">
-                <a:solidFill>
-                  <a:schemeClr val="tx1"/>
-                </a:solidFill>
-              </a:rPr>
-              <a:t>                           </a:t>
-            </a:r>
-            <a:r>
-              <a:rPr lang="ru-RU" sz="2400" b="1" dirty="0">
-                <a:solidFill>
-                  <a:schemeClr val="tx1"/>
-                </a:solidFill>
-              </a:rPr>
-              <a:t>Клиент</a:t>
-            </a:r>
-          </a:p>
-          <a:p>
-            <a:r>
-              <a:rPr lang="ru-RU" sz="2400" b="1" dirty="0">
-                <a:solidFill>
-                  <a:schemeClr val="tx1"/>
-                </a:solidFill>
-              </a:rPr>
-              <a:t>Датчик     </a:t>
-            </a:r>
-            <a:r>
-              <a:rPr lang="ru-RU" sz="2400" b="1" dirty="0" smtClean="0">
-                <a:solidFill>
-                  <a:schemeClr val="tx1"/>
-                </a:solidFill>
-              </a:rPr>
-              <a:t>                                                                   Клиент</a:t>
-            </a:r>
-            <a:endParaRPr lang="en-US" sz="2400" b="1" dirty="0" smtClean="0">
+              <a:t>       Датчик                                                       Сторонний сервис </a:t>
+            </a:r>
+            <a:endParaRPr lang="ru-RU" sz="2400" b="1" dirty="0">
               <a:solidFill>
                 <a:schemeClr val="tx1"/>
               </a:solidFill>
@@ -5585,88 +5599,14 @@
           </a:p>
           <a:p>
             <a:r>
-              <a:rPr lang="en-US" sz="1400" b="1" dirty="0">
+              <a:rPr lang="ru-RU" sz="2400" b="1" dirty="0" smtClean="0">
                 <a:solidFill>
                   <a:schemeClr val="tx1"/>
                 </a:solidFill>
               </a:rPr>
-              <a:t>GET /?</a:t>
-            </a:r>
-            <a:r>
-              <a:rPr lang="en-US" sz="1400" b="1" dirty="0" err="1" smtClean="0">
-                <a:solidFill>
-                  <a:schemeClr val="tx1"/>
-                </a:solidFill>
-              </a:rPr>
-              <a:t>loc</a:t>
-            </a:r>
-            <a:r>
-              <a:rPr lang="en-US" sz="1400" b="1" dirty="0" smtClean="0">
-                <a:solidFill>
-                  <a:schemeClr val="tx1"/>
-                </a:solidFill>
-              </a:rPr>
-              <a:t>=</a:t>
-            </a:r>
-            <a:r>
-              <a:rPr lang="en-US" sz="1400" b="1" dirty="0" err="1" smtClean="0">
-                <a:solidFill>
-                  <a:schemeClr val="tx1"/>
-                </a:solidFill>
-              </a:rPr>
-              <a:t>SVIBLOVO&amp;temp</a:t>
-            </a:r>
-            <a:r>
-              <a:rPr lang="en-US" sz="1400" b="1" dirty="0" smtClean="0">
-                <a:solidFill>
-                  <a:schemeClr val="tx1"/>
-                </a:solidFill>
-              </a:rPr>
-              <a:t>=</a:t>
-            </a:r>
-            <a:r>
-              <a:rPr lang="ru-RU" sz="1400" b="1" dirty="0">
-                <a:solidFill>
-                  <a:schemeClr val="tx1"/>
-                </a:solidFill>
-              </a:rPr>
-              <a:t>ТЕМПЕРАТУРА&amp;</a:t>
-            </a:r>
-            <a:r>
-              <a:rPr lang="en-US" sz="1400" b="1" dirty="0">
-                <a:solidFill>
-                  <a:schemeClr val="tx1"/>
-                </a:solidFill>
-              </a:rPr>
-              <a:t>pressure=</a:t>
-            </a:r>
-            <a:r>
-              <a:rPr lang="ru-RU" sz="1400" b="1" dirty="0">
-                <a:solidFill>
-                  <a:schemeClr val="tx1"/>
-                </a:solidFill>
-              </a:rPr>
-              <a:t>ДАВЛЕНИЕ&amp;</a:t>
-            </a:r>
-            <a:r>
-              <a:rPr lang="en-US" sz="1400" b="1" dirty="0">
-                <a:solidFill>
-                  <a:schemeClr val="tx1"/>
-                </a:solidFill>
-              </a:rPr>
-              <a:t>humidity=</a:t>
-            </a:r>
-            <a:r>
-              <a:rPr lang="ru-RU" sz="1400" b="1" dirty="0" smtClean="0">
-                <a:solidFill>
-                  <a:schemeClr val="tx1"/>
-                </a:solidFill>
-              </a:rPr>
-              <a:t>ВЛАЖНОСТЬ</a:t>
-            </a:r>
-          </a:p>
-          <a:p>
-            <a:endParaRPr lang="ru-RU" sz="1400" b="1" dirty="0">
+              <a:t>База данных</a:t>
+            </a:r>
+            <a:endParaRPr lang="ru-RU" sz="2400" b="1" dirty="0">
               <a:solidFill>
                 <a:schemeClr val="tx1"/>
               </a:solidFill>
@@ -5682,8 +5622,8 @@
         </p:nvCxnSpPr>
         <p:spPr>
           <a:xfrm flipV="1">
-            <a:off x="3099460" y="2250375"/>
-            <a:ext cx="2398815" cy="1092529"/>
+            <a:off x="3099460" y="2250376"/>
+            <a:ext cx="2398815" cy="558138"/>
           </a:xfrm>
           <a:prstGeom prst="straightConnector1">
             <a:avLst/>
@@ -5719,7 +5659,7 @@
         <p:spPr>
           <a:xfrm flipV="1">
             <a:off x="3099460" y="2268188"/>
-            <a:ext cx="2386940" cy="1419100"/>
+            <a:ext cx="2386940" cy="908461"/>
           </a:xfrm>
           <a:prstGeom prst="straightConnector1">
             <a:avLst/>
@@ -5754,8 +5694,8 @@
         </p:nvCxnSpPr>
         <p:spPr>
           <a:xfrm flipV="1">
-            <a:off x="3099460" y="2268188"/>
-            <a:ext cx="2386940" cy="1781298"/>
+            <a:off x="3099460" y="2268190"/>
+            <a:ext cx="2386940" cy="1288470"/>
           </a:xfrm>
           <a:prstGeom prst="straightConnector1">
             <a:avLst/>
@@ -5790,8 +5730,8 @@
         </p:nvCxnSpPr>
         <p:spPr>
           <a:xfrm flipV="1">
-            <a:off x="3099460" y="2268187"/>
-            <a:ext cx="2386940" cy="2143496"/>
+            <a:off x="3099460" y="2268188"/>
+            <a:ext cx="2386940" cy="1662544"/>
           </a:xfrm>
           <a:prstGeom prst="straightConnector1">
             <a:avLst/>
@@ -5827,7 +5767,7 @@
         <p:spPr>
           <a:xfrm>
             <a:off x="6679870" y="2250374"/>
-            <a:ext cx="2452255" cy="1045029"/>
+            <a:ext cx="961901" cy="558140"/>
           </a:xfrm>
           <a:prstGeom prst="straightConnector1">
             <a:avLst/>
@@ -5864,7 +5804,7 @@
         <p:spPr>
           <a:xfrm>
             <a:off x="6715496" y="2250374"/>
-            <a:ext cx="2416629" cy="1436914"/>
+            <a:ext cx="926275" cy="926275"/>
           </a:xfrm>
           <a:prstGeom prst="straightConnector1">
             <a:avLst/>
@@ -5901,7 +5841,7 @@
         <p:spPr>
           <a:xfrm>
             <a:off x="6739247" y="2268187"/>
-            <a:ext cx="2392878" cy="1781299"/>
+            <a:ext cx="902524" cy="1238002"/>
           </a:xfrm>
           <a:prstGeom prst="straightConnector1">
             <a:avLst/>
@@ -5938,7 +5878,7 @@
         <p:spPr>
           <a:xfrm>
             <a:off x="6715496" y="2268187"/>
-            <a:ext cx="2416629" cy="2143496"/>
+            <a:ext cx="926275" cy="1609107"/>
           </a:xfrm>
           <a:prstGeom prst="straightConnector1">
             <a:avLst/>
@@ -5960,6 +5900,43 @@
           </a:fillRef>
           <a:effectRef idx="0">
             <a:schemeClr val="accent1"/>
+          </a:effectRef>
+          <a:fontRef idx="minor">
+            <a:schemeClr val="tx1"/>
+          </a:fontRef>
+        </p:style>
+      </p:cxnSp>
+      <p:cxnSp>
+        <p:nvCxnSpPr>
+          <p:cNvPr id="17" name="Прямая со стрелкой 16"/>
+          <p:cNvCxnSpPr/>
+          <p:nvPr/>
+        </p:nvCxnSpPr>
+        <p:spPr>
+          <a:xfrm>
+            <a:off x="6092042" y="2250374"/>
+            <a:ext cx="29688" cy="2167247"/>
+          </a:xfrm>
+          <a:prstGeom prst="straightConnector1">
+            <a:avLst/>
+          </a:prstGeom>
+          <a:ln>
+            <a:solidFill>
+              <a:srgbClr val="FF0000"/>
+            </a:solidFill>
+            <a:headEnd type="triangle"/>
+            <a:tailEnd type="triangle"/>
+          </a:ln>
+        </p:spPr>
+        <p:style>
+          <a:lnRef idx="1">
+            <a:schemeClr val="accent2"/>
+          </a:lnRef>
+          <a:fillRef idx="0">
+            <a:schemeClr val="accent2"/>
+          </a:fillRef>
+          <a:effectRef idx="0">
+            <a:schemeClr val="accent2"/>
           </a:effectRef>
           <a:fontRef idx="minor">
             <a:schemeClr val="tx1"/>

--- a/Метеосервис презентация.pptx
+++ b/Метеосервис презентация.pptx
@@ -7,16 +7,11 @@
   <p:sldIdLst>
     <p:sldId id="257" r:id="rId2"/>
     <p:sldId id="256" r:id="rId3"/>
-    <p:sldId id="260" r:id="rId4"/>
-    <p:sldId id="259" r:id="rId5"/>
-    <p:sldId id="261" r:id="rId6"/>
-    <p:sldId id="262" r:id="rId7"/>
-    <p:sldId id="263" r:id="rId8"/>
-    <p:sldId id="264" r:id="rId9"/>
-    <p:sldId id="265" r:id="rId10"/>
-    <p:sldId id="267" r:id="rId11"/>
-    <p:sldId id="266" r:id="rId12"/>
-    <p:sldId id="268" r:id="rId13"/>
+    <p:sldId id="259" r:id="rId4"/>
+    <p:sldId id="260" r:id="rId5"/>
+    <p:sldId id="264" r:id="rId6"/>
+    <p:sldId id="265" r:id="rId7"/>
+    <p:sldId id="266" r:id="rId8"/>
   </p:sldIdLst>
   <p:sldSz cx="12192000" cy="6858000"/>
   <p:notesSz cx="6858000" cy="9144000"/>
@@ -596,7 +591,7 @@
           <a:p>
             <a:fld id="{A76EB9D5-7E1A-4433-8B21-2237CC26FA2C}" type="datetimeFigureOut">
               <a:rPr lang="en-US" dirty="0"/>
-              <a:t>1/23/2020</a:t>
+              <a:t>1/28/2020</a:t>
             </a:fld>
             <a:endParaRPr lang="en-US" dirty="0"/>
           </a:p>
@@ -794,7 +789,7 @@
           <a:p>
             <a:fld id="{62598A19-B9D6-4696-A74D-9FEF900C8B6A}" type="datetimeFigureOut">
               <a:rPr lang="en-US" dirty="0"/>
-              <a:t>1/23/2020</a:t>
+              <a:t>1/28/2020</a:t>
             </a:fld>
             <a:endParaRPr lang="en-US" dirty="0"/>
           </a:p>
@@ -969,7 +964,7 @@
           <a:p>
             <a:fld id="{9A205100-39B0-4914-BBD6-34F267582565}" type="datetimeFigureOut">
               <a:rPr lang="en-US" dirty="0"/>
-              <a:t>1/23/2020</a:t>
+              <a:t>1/28/2020</a:t>
             </a:fld>
             <a:endParaRPr lang="en-US" dirty="0"/>
           </a:p>
@@ -1134,7 +1129,7 @@
           <a:p>
             <a:fld id="{539EF837-FEDB-44F2-8FB5-4F56FC548A33}" type="datetimeFigureOut">
               <a:rPr lang="en-US" dirty="0"/>
-              <a:t>1/23/2020</a:t>
+              <a:t>1/28/2020</a:t>
             </a:fld>
             <a:endParaRPr lang="en-US" dirty="0"/>
           </a:p>
@@ -1709,7 +1704,7 @@
           <a:p>
             <a:fld id="{4EC2AB55-62C0-407E-B706-C907B44B0BFC}" type="datetimeFigureOut">
               <a:rPr lang="en-US" dirty="0"/>
-              <a:t>1/23/2020</a:t>
+              <a:t>1/28/2020</a:t>
             </a:fld>
             <a:endParaRPr lang="en-US" dirty="0"/>
           </a:p>
@@ -2006,7 +2001,7 @@
           <a:p>
             <a:fld id="{69FBB33F-FEF5-4E73-A5F9-307689FE77C6}" type="datetimeFigureOut">
               <a:rPr lang="en-US" dirty="0"/>
-              <a:t>1/23/2020</a:t>
+              <a:t>1/28/2020</a:t>
             </a:fld>
             <a:endParaRPr lang="en-US" dirty="0"/>
           </a:p>
@@ -2438,7 +2433,7 @@
           <a:p>
             <a:fld id="{A64B5FA4-F0B8-4D71-BC92-932E3A1502F8}" type="datetimeFigureOut">
               <a:rPr lang="en-US" dirty="0"/>
-              <a:t>1/23/2020</a:t>
+              <a:t>1/28/2020</a:t>
             </a:fld>
             <a:endParaRPr lang="en-US" dirty="0"/>
           </a:p>
@@ -2551,7 +2546,7 @@
           <a:p>
             <a:fld id="{4FD89F80-C2CE-4D6A-80E4-D3515AD92BC6}" type="datetimeFigureOut">
               <a:rPr lang="en-US" dirty="0"/>
-              <a:t>1/23/2020</a:t>
+              <a:t>1/28/2020</a:t>
             </a:fld>
             <a:endParaRPr lang="en-US" dirty="0"/>
           </a:p>
@@ -2641,7 +2636,7 @@
           <a:p>
             <a:fld id="{03E4220E-EF40-477E-B84C-637FC7CE78DB}" type="datetimeFigureOut">
               <a:rPr lang="en-US" dirty="0"/>
-              <a:t>1/23/2020</a:t>
+              <a:t>1/28/2020</a:t>
             </a:fld>
             <a:endParaRPr lang="en-US" dirty="0"/>
           </a:p>
@@ -2980,7 +2975,7 @@
           <a:p>
             <a:fld id="{FD0B8D63-E026-4E54-B301-C824E1BD14F3}" type="datetimeFigureOut">
               <a:rPr lang="en-US" dirty="0"/>
-              <a:t>1/23/2020</a:t>
+              <a:t>1/28/2020</a:t>
             </a:fld>
             <a:endParaRPr lang="en-US" dirty="0"/>
           </a:p>
@@ -3365,7 +3360,7 @@
           <a:p>
             <a:fld id="{6C423185-9573-406A-8068-0AB4F2335019}" type="datetimeFigureOut">
               <a:rPr lang="en-US" dirty="0"/>
-              <a:t>1/23/2020</a:t>
+              <a:t>1/28/2020</a:t>
             </a:fld>
             <a:endParaRPr lang="en-US" dirty="0"/>
           </a:p>
@@ -3669,7 +3664,7 @@
           <a:p>
             <a:fld id="{6C5516DA-9D86-4E1E-A623-C11F9F74EB59}" type="datetimeFigureOut">
               <a:rPr lang="en-US" dirty="0"/>
-              <a:t>1/23/2020</a:t>
+              <a:t>1/28/2020</a:t>
             </a:fld>
             <a:endParaRPr lang="en-US" dirty="0"/>
           </a:p>
@@ -4174,7 +4169,7 @@
         </p:nvSpPr>
         <p:spPr>
           <a:xfrm>
-            <a:off x="2206438" y="1663596"/>
+            <a:off x="2176750" y="2528818"/>
             <a:ext cx="7772400" cy="1470025"/>
           </a:xfrm>
         </p:spPr>
@@ -4202,7 +4197,7 @@
         </p:nvSpPr>
         <p:spPr>
           <a:xfrm>
-            <a:off x="1455421" y="3179625"/>
+            <a:off x="1465640" y="4533412"/>
             <a:ext cx="9296400" cy="889000"/>
           </a:xfrm>
         </p:spPr>
@@ -4334,8 +4329,8 @@
         </p:blipFill>
         <p:spPr bwMode="auto">
           <a:xfrm>
-            <a:off x="5521138" y="4160632"/>
-            <a:ext cx="1143000" cy="1247775"/>
+            <a:off x="5730862" y="2036855"/>
+            <a:ext cx="765956" cy="836169"/>
           </a:xfrm>
           <a:prstGeom prst="rect">
             <a:avLst/>
@@ -4385,7 +4380,869 @@
 </p:sld>
 </file>
 
-<file path=ppt/slides/slide10.xml><?xml version="1.0" encoding="utf-8"?>
+<file path=ppt/slides/slide2.xml><?xml version="1.0" encoding="utf-8"?>
+<p:sld xmlns:a="http://schemas.openxmlformats.org/drawingml/2006/main" xmlns:r="http://schemas.openxmlformats.org/officeDocument/2006/relationships" xmlns:p="http://schemas.openxmlformats.org/presentationml/2006/main">
+  <p:cSld>
+    <p:spTree>
+      <p:nvGrpSpPr>
+        <p:cNvPr id="1" name=""/>
+        <p:cNvGrpSpPr/>
+        <p:nvPr/>
+      </p:nvGrpSpPr>
+      <p:grpSpPr>
+        <a:xfrm>
+          <a:off x="0" y="0"/>
+          <a:ext cx="0" cy="0"/>
+          <a:chOff x="0" y="0"/>
+          <a:chExt cx="0" cy="0"/>
+        </a:xfrm>
+      </p:grpSpPr>
+      <p:sp>
+        <p:nvSpPr>
+          <p:cNvPr id="3" name="Подзаголовок 2"/>
+          <p:cNvSpPr>
+            <a:spLocks noGrp="1"/>
+          </p:cNvSpPr>
+          <p:nvPr>
+            <p:ph type="subTitle" idx="1"/>
+          </p:nvPr>
+        </p:nvSpPr>
+        <p:spPr>
+          <a:xfrm>
+            <a:off x="1453738" y="1688475"/>
+            <a:ext cx="9296400" cy="3775066"/>
+          </a:xfrm>
+        </p:spPr>
+        <p:txBody>
+          <a:bodyPr>
+            <a:noAutofit/>
+          </a:bodyPr>
+          <a:lstStyle/>
+          <a:p>
+            <a:endParaRPr lang="en-US" sz="2400" b="1" dirty="0" smtClean="0">
+              <a:solidFill>
+                <a:schemeClr val="tx1"/>
+              </a:solidFill>
+            </a:endParaRPr>
+          </a:p>
+          <a:p>
+            <a:r>
+              <a:rPr lang="ru-RU" sz="2400" b="1" dirty="0" smtClean="0">
+                <a:solidFill>
+                  <a:schemeClr val="tx1"/>
+                </a:solidFill>
+              </a:rPr>
+              <a:t>Цель работы</a:t>
+            </a:r>
+            <a:endParaRPr lang="en-US" sz="2400" b="1" dirty="0">
+              <a:solidFill>
+                <a:schemeClr val="tx1"/>
+              </a:solidFill>
+            </a:endParaRPr>
+          </a:p>
+          <a:p>
+            <a:r>
+              <a:rPr lang="en-US" sz="2400" b="1" dirty="0" smtClean="0">
+                <a:solidFill>
+                  <a:schemeClr val="tx1"/>
+                </a:solidFill>
+              </a:rPr>
+              <a:t> </a:t>
+            </a:r>
+            <a:r>
+              <a:rPr lang="ru-RU" sz="2400" dirty="0" smtClean="0">
+                <a:solidFill>
+                  <a:schemeClr val="tx1">
+                    <a:lumMod val="95000"/>
+                    <a:lumOff val="5000"/>
+                  </a:schemeClr>
+                </a:solidFill>
+              </a:rPr>
+              <a:t>Создать </a:t>
+            </a:r>
+            <a:r>
+              <a:rPr lang="ru-RU" sz="2400" dirty="0" smtClean="0">
+                <a:solidFill>
+                  <a:schemeClr val="tx1">
+                    <a:lumMod val="95000"/>
+                    <a:lumOff val="5000"/>
+                  </a:schemeClr>
+                </a:solidFill>
+              </a:rPr>
+              <a:t>полностью самостоятельный сервис</a:t>
+            </a:r>
+            <a:r>
+              <a:rPr lang="en-US" sz="2400" dirty="0" smtClean="0">
+                <a:solidFill>
+                  <a:schemeClr val="tx1">
+                    <a:lumMod val="95000"/>
+                    <a:lumOff val="5000"/>
+                  </a:schemeClr>
+                </a:solidFill>
+              </a:rPr>
+              <a:t> </a:t>
+            </a:r>
+            <a:r>
+              <a:rPr lang="ru-RU" sz="2400" dirty="0" smtClean="0">
+                <a:solidFill>
+                  <a:schemeClr val="tx1">
+                    <a:lumMod val="95000"/>
+                    <a:lumOff val="5000"/>
+                  </a:schemeClr>
+                </a:solidFill>
+              </a:rPr>
+              <a:t>с открытым исходным кодом</a:t>
+            </a:r>
+            <a:r>
+              <a:rPr lang="en-US" sz="2400" dirty="0" smtClean="0">
+                <a:solidFill>
+                  <a:schemeClr val="tx1">
+                    <a:lumMod val="95000"/>
+                    <a:lumOff val="5000"/>
+                  </a:schemeClr>
+                </a:solidFill>
+              </a:rPr>
+              <a:t>, </a:t>
+            </a:r>
+            <a:r>
+              <a:rPr lang="ru-RU" sz="2400" dirty="0" smtClean="0">
+                <a:solidFill>
+                  <a:schemeClr val="tx1">
+                    <a:lumMod val="95000"/>
+                    <a:lumOff val="5000"/>
+                  </a:schemeClr>
+                </a:solidFill>
+              </a:rPr>
+              <a:t>способный считывать</a:t>
+            </a:r>
+            <a:r>
+              <a:rPr lang="en-US" sz="2400" dirty="0" smtClean="0">
+                <a:solidFill>
+                  <a:schemeClr val="tx1">
+                    <a:lumMod val="95000"/>
+                    <a:lumOff val="5000"/>
+                  </a:schemeClr>
+                </a:solidFill>
+              </a:rPr>
+              <a:t>, </a:t>
+            </a:r>
+            <a:r>
+              <a:rPr lang="ru-RU" sz="2400" dirty="0" smtClean="0">
+                <a:solidFill>
+                  <a:schemeClr val="tx1">
+                    <a:lumMod val="95000"/>
+                    <a:lumOff val="5000"/>
+                  </a:schemeClr>
+                </a:solidFill>
+              </a:rPr>
+              <a:t>запоминать и отсылать метеоданные</a:t>
+            </a:r>
+            <a:r>
+              <a:rPr lang="en-US" sz="2400" dirty="0">
+                <a:solidFill>
+                  <a:schemeClr val="tx1">
+                    <a:lumMod val="95000"/>
+                    <a:lumOff val="5000"/>
+                  </a:schemeClr>
+                </a:solidFill>
+              </a:rPr>
+              <a:t> </a:t>
+            </a:r>
+            <a:r>
+              <a:rPr lang="ru-RU" sz="2400" dirty="0" smtClean="0">
+                <a:solidFill>
+                  <a:schemeClr val="tx1">
+                    <a:lumMod val="95000"/>
+                    <a:lumOff val="5000"/>
+                  </a:schemeClr>
+                </a:solidFill>
+              </a:rPr>
+              <a:t>в интуитивно понятном формате</a:t>
+            </a:r>
+            <a:r>
+              <a:rPr lang="en-US" sz="2400" dirty="0" smtClean="0">
+                <a:solidFill>
+                  <a:schemeClr val="tx1">
+                    <a:lumMod val="95000"/>
+                    <a:lumOff val="5000"/>
+                  </a:schemeClr>
+                </a:solidFill>
+              </a:rPr>
+              <a:t>.</a:t>
+            </a:r>
+            <a:endParaRPr lang="ru-RU" sz="2400" dirty="0" smtClean="0">
+              <a:solidFill>
+                <a:schemeClr val="tx1">
+                  <a:lumMod val="95000"/>
+                  <a:lumOff val="5000"/>
+                </a:schemeClr>
+              </a:solidFill>
+            </a:endParaRPr>
+          </a:p>
+          <a:p>
+            <a:r>
+              <a:rPr lang="ru-RU" sz="2400" b="1" dirty="0" smtClean="0">
+                <a:solidFill>
+                  <a:schemeClr val="tx1"/>
+                </a:solidFill>
+              </a:rPr>
+              <a:t>Задачи</a:t>
+            </a:r>
+          </a:p>
+          <a:p>
+            <a:pPr algn="l"/>
+            <a:r>
+              <a:rPr lang="en-US" sz="2400" dirty="0" smtClean="0">
+                <a:solidFill>
+                  <a:schemeClr val="tx1">
+                    <a:lumMod val="95000"/>
+                    <a:lumOff val="5000"/>
+                  </a:schemeClr>
+                </a:solidFill>
+              </a:rPr>
+              <a:t>1. </a:t>
+            </a:r>
+            <a:r>
+              <a:rPr lang="ru-RU" sz="2400" dirty="0" smtClean="0">
+                <a:solidFill>
+                  <a:schemeClr val="tx1">
+                    <a:lumMod val="95000"/>
+                    <a:lumOff val="5000"/>
+                  </a:schemeClr>
+                </a:solidFill>
+              </a:rPr>
+              <a:t>Создать датчик</a:t>
+            </a:r>
+            <a:r>
+              <a:rPr lang="en-US" sz="2400" dirty="0" smtClean="0">
+                <a:solidFill>
+                  <a:schemeClr val="tx1">
+                    <a:lumMod val="95000"/>
+                    <a:lumOff val="5000"/>
+                  </a:schemeClr>
+                </a:solidFill>
+              </a:rPr>
+              <a:t>, </a:t>
+            </a:r>
+            <a:r>
+              <a:rPr lang="ru-RU" sz="2400" dirty="0" smtClean="0">
+                <a:solidFill>
+                  <a:schemeClr val="tx1">
+                    <a:lumMod val="95000"/>
+                    <a:lumOff val="5000"/>
+                  </a:schemeClr>
+                </a:solidFill>
+              </a:rPr>
+              <a:t>сервер</a:t>
+            </a:r>
+            <a:r>
+              <a:rPr lang="en-US" sz="2400" dirty="0" smtClean="0">
+                <a:solidFill>
+                  <a:schemeClr val="tx1">
+                    <a:lumMod val="95000"/>
+                    <a:lumOff val="5000"/>
+                  </a:schemeClr>
+                </a:solidFill>
+              </a:rPr>
+              <a:t>, </a:t>
+            </a:r>
+            <a:r>
+              <a:rPr lang="en-US" sz="2400" dirty="0">
+                <a:solidFill>
+                  <a:schemeClr val="tx1">
+                    <a:lumMod val="95000"/>
+                    <a:lumOff val="5000"/>
+                  </a:schemeClr>
+                </a:solidFill>
+              </a:rPr>
+              <a:t>android </a:t>
+            </a:r>
+            <a:r>
+              <a:rPr lang="ru-RU" sz="2400" dirty="0">
+                <a:solidFill>
+                  <a:schemeClr val="tx1">
+                    <a:lumMod val="95000"/>
+                    <a:lumOff val="5000"/>
+                  </a:schemeClr>
+                </a:solidFill>
+              </a:rPr>
+              <a:t>приложение – клиент</a:t>
+            </a:r>
+          </a:p>
+          <a:p>
+            <a:pPr algn="l"/>
+            <a:r>
+              <a:rPr lang="en-US" sz="2400" dirty="0" smtClean="0">
+                <a:solidFill>
+                  <a:schemeClr val="tx1">
+                    <a:lumMod val="95000"/>
+                    <a:lumOff val="5000"/>
+                  </a:schemeClr>
+                </a:solidFill>
+              </a:rPr>
+              <a:t>2. </a:t>
+            </a:r>
+            <a:r>
+              <a:rPr lang="ru-RU" sz="2400" dirty="0" smtClean="0">
+                <a:solidFill>
+                  <a:schemeClr val="tx1">
+                    <a:lumMod val="95000"/>
+                    <a:lumOff val="5000"/>
+                  </a:schemeClr>
+                </a:solidFill>
+              </a:rPr>
+              <a:t>Создать инструменты для других разработчиков</a:t>
+            </a:r>
+            <a:endParaRPr lang="ru-RU" sz="2400" dirty="0">
+              <a:solidFill>
+                <a:schemeClr val="tx1">
+                  <a:lumMod val="95000"/>
+                  <a:lumOff val="5000"/>
+                </a:schemeClr>
+              </a:solidFill>
+            </a:endParaRPr>
+          </a:p>
+          <a:p>
+            <a:pPr algn="l"/>
+            <a:r>
+              <a:rPr lang="en-US" sz="2400" dirty="0" smtClean="0">
+                <a:solidFill>
+                  <a:schemeClr val="tx1">
+                    <a:lumMod val="95000"/>
+                    <a:lumOff val="5000"/>
+                  </a:schemeClr>
+                </a:solidFill>
+              </a:rPr>
+              <a:t>3.</a:t>
+            </a:r>
+            <a:r>
+              <a:rPr lang="ru-RU" sz="2400" dirty="0" smtClean="0">
+                <a:solidFill>
+                  <a:schemeClr val="tx1">
+                    <a:lumMod val="95000"/>
+                    <a:lumOff val="5000"/>
+                  </a:schemeClr>
+                </a:solidFill>
+              </a:rPr>
+              <a:t> Открыть исходный код</a:t>
+            </a:r>
+            <a:r>
+              <a:rPr lang="en-US" sz="2400" dirty="0" smtClean="0">
+                <a:solidFill>
+                  <a:schemeClr val="tx1">
+                    <a:lumMod val="95000"/>
+                    <a:lumOff val="5000"/>
+                  </a:schemeClr>
+                </a:solidFill>
+              </a:rPr>
+              <a:t>, </a:t>
+            </a:r>
+            <a:r>
+              <a:rPr lang="ru-RU" sz="2400" dirty="0" smtClean="0">
+                <a:solidFill>
+                  <a:schemeClr val="tx1">
+                    <a:lumMod val="95000"/>
+                    <a:lumOff val="5000"/>
+                  </a:schemeClr>
+                </a:solidFill>
+              </a:rPr>
+              <a:t>лицензировать</a:t>
+            </a:r>
+            <a:r>
+              <a:rPr lang="en-US" sz="2400" dirty="0" smtClean="0">
+                <a:solidFill>
+                  <a:schemeClr val="tx1">
+                    <a:lumMod val="95000"/>
+                    <a:lumOff val="5000"/>
+                  </a:schemeClr>
+                </a:solidFill>
+              </a:rPr>
+              <a:t>, </a:t>
+            </a:r>
+            <a:r>
+              <a:rPr lang="ru-RU" sz="2400" dirty="0" smtClean="0">
+                <a:solidFill>
+                  <a:schemeClr val="tx1">
+                    <a:lumMod val="95000"/>
+                    <a:lumOff val="5000"/>
+                  </a:schemeClr>
+                </a:solidFill>
+              </a:rPr>
+              <a:t>протестировать </a:t>
+            </a:r>
+            <a:r>
+              <a:rPr lang="ru-RU" sz="2400" dirty="0" smtClean="0">
+                <a:solidFill>
+                  <a:schemeClr val="tx1">
+                    <a:lumMod val="95000"/>
+                    <a:lumOff val="5000"/>
+                  </a:schemeClr>
+                </a:solidFill>
+              </a:rPr>
+              <a:t>и отладить</a:t>
+            </a:r>
+            <a:r>
+              <a:rPr lang="en-US" sz="2400" dirty="0" smtClean="0">
+                <a:solidFill>
+                  <a:schemeClr val="tx1">
+                    <a:lumMod val="95000"/>
+                    <a:lumOff val="5000"/>
+                  </a:schemeClr>
+                </a:solidFill>
+              </a:rPr>
+              <a:t>.</a:t>
+            </a:r>
+            <a:endParaRPr lang="ru-RU" sz="2400" dirty="0">
+              <a:solidFill>
+                <a:schemeClr val="tx1">
+                  <a:lumMod val="95000"/>
+                  <a:lumOff val="5000"/>
+                </a:schemeClr>
+              </a:solidFill>
+            </a:endParaRPr>
+          </a:p>
+        </p:txBody>
+      </p:sp>
+    </p:spTree>
+    <p:extLst>
+      <p:ext uri="{BB962C8B-B14F-4D97-AF65-F5344CB8AC3E}">
+        <p14:creationId xmlns:p14="http://schemas.microsoft.com/office/powerpoint/2010/main" val="363658645"/>
+      </p:ext>
+    </p:extLst>
+  </p:cSld>
+  <p:clrMapOvr>
+    <a:masterClrMapping/>
+  </p:clrMapOvr>
+  <p:timing>
+    <p:tnLst>
+      <p:par>
+        <p:cTn id="1" dur="indefinite" restart="never" nodeType="tmRoot"/>
+      </p:par>
+    </p:tnLst>
+  </p:timing>
+</p:sld>
+</file>
+
+<file path=ppt/slides/slide3.xml><?xml version="1.0" encoding="utf-8"?>
+<p:sld xmlns:a="http://schemas.openxmlformats.org/drawingml/2006/main" xmlns:r="http://schemas.openxmlformats.org/officeDocument/2006/relationships" xmlns:p="http://schemas.openxmlformats.org/presentationml/2006/main">
+  <p:cSld>
+    <p:spTree>
+      <p:nvGrpSpPr>
+        <p:cNvPr id="1" name=""/>
+        <p:cNvGrpSpPr/>
+        <p:nvPr/>
+      </p:nvGrpSpPr>
+      <p:grpSpPr>
+        <a:xfrm>
+          <a:off x="0" y="0"/>
+          <a:ext cx="0" cy="0"/>
+          <a:chOff x="0" y="0"/>
+          <a:chExt cx="0" cy="0"/>
+        </a:xfrm>
+      </p:grpSpPr>
+      <p:sp>
+        <p:nvSpPr>
+          <p:cNvPr id="3" name="Подзаголовок 2"/>
+          <p:cNvSpPr>
+            <a:spLocks noGrp="1"/>
+          </p:cNvSpPr>
+          <p:nvPr>
+            <p:ph type="subTitle" idx="1"/>
+          </p:nvPr>
+        </p:nvSpPr>
+        <p:spPr>
+          <a:xfrm>
+            <a:off x="1447799" y="2004060"/>
+            <a:ext cx="9304021" cy="3459480"/>
+          </a:xfrm>
+        </p:spPr>
+        <p:txBody>
+          <a:bodyPr>
+            <a:noAutofit/>
+          </a:bodyPr>
+          <a:lstStyle/>
+          <a:p>
+            <a:r>
+              <a:rPr lang="ru-RU" sz="2400" b="1" dirty="0" smtClean="0">
+                <a:solidFill>
+                  <a:schemeClr val="tx1"/>
+                </a:solidFill>
+              </a:rPr>
+              <a:t>План работы</a:t>
+            </a:r>
+            <a:r>
+              <a:rPr lang="en-US" sz="2400" b="1" dirty="0" smtClean="0">
+                <a:solidFill>
+                  <a:schemeClr val="tx1"/>
+                </a:solidFill>
+              </a:rPr>
+              <a:t>: </a:t>
+            </a:r>
+            <a:endParaRPr lang="en-US" sz="2400" b="1" dirty="0" smtClean="0">
+              <a:solidFill>
+                <a:schemeClr val="tx1"/>
+              </a:solidFill>
+            </a:endParaRPr>
+          </a:p>
+          <a:p>
+            <a:pPr marL="342900" indent="-342900" algn="l">
+              <a:buFont typeface="Arial" panose="020B0604020202020204" pitchFamily="34" charset="0"/>
+              <a:buChar char="•"/>
+            </a:pPr>
+            <a:r>
+              <a:rPr lang="ru-RU" sz="2400" dirty="0" smtClean="0">
+                <a:solidFill>
+                  <a:schemeClr val="tx1"/>
+                </a:solidFill>
+              </a:rPr>
+              <a:t>Сентябрь – выбор технологий</a:t>
+            </a:r>
+            <a:r>
+              <a:rPr lang="en-US" sz="2400" dirty="0" smtClean="0">
+                <a:solidFill>
+                  <a:schemeClr val="tx1"/>
+                </a:solidFill>
+              </a:rPr>
+              <a:t>, </a:t>
+            </a:r>
+            <a:r>
+              <a:rPr lang="ru-RU" sz="2400" dirty="0" smtClean="0">
+                <a:solidFill>
+                  <a:schemeClr val="tx1"/>
+                </a:solidFill>
+              </a:rPr>
+              <a:t>поиск комплектующих</a:t>
+            </a:r>
+            <a:r>
+              <a:rPr lang="en-US" sz="2400" dirty="0" smtClean="0">
+                <a:solidFill>
+                  <a:schemeClr val="tx1"/>
+                </a:solidFill>
+              </a:rPr>
+              <a:t>.</a:t>
+            </a:r>
+            <a:endParaRPr lang="ru-RU" sz="2400" dirty="0" smtClean="0">
+              <a:solidFill>
+                <a:schemeClr val="tx1"/>
+              </a:solidFill>
+            </a:endParaRPr>
+          </a:p>
+          <a:p>
+            <a:pPr marL="342900" indent="-342900" algn="l">
+              <a:buFont typeface="Arial" panose="020B0604020202020204" pitchFamily="34" charset="0"/>
+              <a:buChar char="•"/>
+            </a:pPr>
+            <a:r>
+              <a:rPr lang="ru-RU" sz="2400" dirty="0" smtClean="0">
+                <a:solidFill>
+                  <a:schemeClr val="tx1"/>
+                </a:solidFill>
+              </a:rPr>
+              <a:t>Октябрь – создание веб-сервера</a:t>
+            </a:r>
+            <a:r>
+              <a:rPr lang="en-US" sz="2400" dirty="0" smtClean="0">
+                <a:solidFill>
+                  <a:schemeClr val="tx1"/>
+                </a:solidFill>
+              </a:rPr>
+              <a:t>, </a:t>
+            </a:r>
+            <a:r>
+              <a:rPr lang="ru-RU" sz="2400" dirty="0" smtClean="0">
+                <a:solidFill>
+                  <a:schemeClr val="tx1"/>
+                </a:solidFill>
+              </a:rPr>
+              <a:t>прототипа датчика</a:t>
+            </a:r>
+            <a:r>
+              <a:rPr lang="en-US" sz="2400" dirty="0" smtClean="0">
+                <a:solidFill>
+                  <a:schemeClr val="tx1"/>
+                </a:solidFill>
+              </a:rPr>
+              <a:t>,</a:t>
+            </a:r>
+            <a:r>
+              <a:rPr lang="ru-RU" sz="2400" dirty="0" smtClean="0">
+                <a:solidFill>
+                  <a:schemeClr val="tx1"/>
+                </a:solidFill>
+              </a:rPr>
+              <a:t> хостинг</a:t>
+            </a:r>
+            <a:r>
+              <a:rPr lang="en-US" sz="2400" dirty="0" smtClean="0">
+                <a:solidFill>
+                  <a:schemeClr val="tx1"/>
+                </a:solidFill>
+              </a:rPr>
+              <a:t>.</a:t>
+            </a:r>
+          </a:p>
+          <a:p>
+            <a:pPr marL="342900" indent="-342900" algn="l">
+              <a:buFont typeface="Arial" panose="020B0604020202020204" pitchFamily="34" charset="0"/>
+              <a:buChar char="•"/>
+            </a:pPr>
+            <a:r>
+              <a:rPr lang="ru-RU" sz="2400" dirty="0" smtClean="0">
+                <a:solidFill>
+                  <a:schemeClr val="tx1"/>
+                </a:solidFill>
+              </a:rPr>
+              <a:t>Ноябрь – создание </a:t>
+            </a:r>
+            <a:r>
+              <a:rPr lang="en-US" sz="2400" dirty="0" smtClean="0">
+                <a:solidFill>
+                  <a:schemeClr val="tx1"/>
+                </a:solidFill>
+              </a:rPr>
+              <a:t>Android </a:t>
+            </a:r>
+            <a:r>
+              <a:rPr lang="ru-RU" sz="2400" dirty="0" smtClean="0">
+                <a:solidFill>
+                  <a:schemeClr val="tx1"/>
+                </a:solidFill>
+              </a:rPr>
+              <a:t>приложени</a:t>
+            </a:r>
+            <a:r>
+              <a:rPr lang="ru-RU" sz="2400" dirty="0">
+                <a:solidFill>
+                  <a:schemeClr val="tx1"/>
+                </a:solidFill>
+              </a:rPr>
+              <a:t>я</a:t>
+            </a:r>
+            <a:r>
+              <a:rPr lang="en-US" sz="2400" dirty="0" smtClean="0">
+                <a:solidFill>
+                  <a:schemeClr val="tx1"/>
+                </a:solidFill>
+              </a:rPr>
+              <a:t>, </a:t>
+            </a:r>
+            <a:r>
+              <a:rPr lang="ru-RU" sz="2400" dirty="0" smtClean="0">
+                <a:solidFill>
+                  <a:schemeClr val="tx1"/>
+                </a:solidFill>
+              </a:rPr>
+              <a:t>объединение всех модулей</a:t>
+            </a:r>
+            <a:r>
+              <a:rPr lang="en-US" sz="2400" dirty="0" smtClean="0">
+                <a:solidFill>
+                  <a:schemeClr val="tx1"/>
+                </a:solidFill>
+              </a:rPr>
+              <a:t>.</a:t>
+            </a:r>
+            <a:endParaRPr lang="en-US" sz="2400" dirty="0" smtClean="0">
+              <a:solidFill>
+                <a:schemeClr val="tx1"/>
+              </a:solidFill>
+            </a:endParaRPr>
+          </a:p>
+          <a:p>
+            <a:pPr marL="342900" indent="-342900" algn="l">
+              <a:buFont typeface="Arial" panose="020B0604020202020204" pitchFamily="34" charset="0"/>
+              <a:buChar char="•"/>
+            </a:pPr>
+            <a:r>
+              <a:rPr lang="ru-RU" sz="2400" dirty="0" smtClean="0">
+                <a:solidFill>
+                  <a:schemeClr val="tx1"/>
+                </a:solidFill>
+              </a:rPr>
+              <a:t>Декабрь – отладка</a:t>
+            </a:r>
+            <a:r>
+              <a:rPr lang="en-US" sz="2400" dirty="0" smtClean="0">
+                <a:solidFill>
+                  <a:schemeClr val="tx1"/>
+                </a:solidFill>
+              </a:rPr>
+              <a:t>, </a:t>
+            </a:r>
+            <a:r>
+              <a:rPr lang="ru-RU" sz="2400" dirty="0" smtClean="0">
+                <a:solidFill>
+                  <a:schemeClr val="tx1"/>
+                </a:solidFill>
+              </a:rPr>
+              <a:t>минимизация потребления</a:t>
+            </a:r>
+            <a:r>
+              <a:rPr lang="en-US" sz="2400" dirty="0" smtClean="0">
+                <a:solidFill>
+                  <a:schemeClr val="tx1"/>
+                </a:solidFill>
+              </a:rPr>
+              <a:t>, </a:t>
+            </a:r>
+            <a:r>
+              <a:rPr lang="ru-RU" sz="2400" dirty="0" smtClean="0">
+                <a:solidFill>
+                  <a:schemeClr val="tx1"/>
+                </a:solidFill>
+              </a:rPr>
+              <a:t>чистка </a:t>
+            </a:r>
+            <a:r>
+              <a:rPr lang="ru-RU" sz="2400" dirty="0" smtClean="0">
+                <a:solidFill>
+                  <a:schemeClr val="tx1"/>
+                </a:solidFill>
+              </a:rPr>
+              <a:t>кода</a:t>
+            </a:r>
+            <a:r>
+              <a:rPr lang="en-US" sz="2400" dirty="0" smtClean="0">
+                <a:solidFill>
+                  <a:schemeClr val="tx1"/>
+                </a:solidFill>
+              </a:rPr>
+              <a:t>, </a:t>
+            </a:r>
+            <a:r>
+              <a:rPr lang="ru-RU" sz="2400" dirty="0" smtClean="0">
+                <a:solidFill>
+                  <a:schemeClr val="tx1"/>
+                </a:solidFill>
+              </a:rPr>
+              <a:t>создание </a:t>
+            </a:r>
+            <a:r>
+              <a:rPr lang="en-US" sz="2400" dirty="0" smtClean="0">
+                <a:solidFill>
+                  <a:schemeClr val="tx1"/>
+                </a:solidFill>
+              </a:rPr>
+              <a:t>API, </a:t>
+            </a:r>
+            <a:r>
+              <a:rPr lang="ru-RU" sz="2400" dirty="0" smtClean="0">
+                <a:solidFill>
+                  <a:schemeClr val="tx1"/>
+                </a:solidFill>
+              </a:rPr>
+              <a:t>развертывание инфраструктуры</a:t>
+            </a:r>
+            <a:r>
+              <a:rPr lang="en-US" sz="2400" dirty="0" smtClean="0">
+                <a:solidFill>
+                  <a:schemeClr val="tx1"/>
+                </a:solidFill>
+              </a:rPr>
+              <a:t>, </a:t>
+            </a:r>
+            <a:r>
+              <a:rPr lang="ru-RU" sz="2400" dirty="0" smtClean="0">
+                <a:solidFill>
+                  <a:schemeClr val="tx1"/>
+                </a:solidFill>
+              </a:rPr>
+              <a:t>лицензирование</a:t>
+            </a:r>
+            <a:r>
+              <a:rPr lang="en-US" sz="2400" dirty="0" smtClean="0">
+                <a:solidFill>
+                  <a:schemeClr val="tx1"/>
+                </a:solidFill>
+              </a:rPr>
+              <a:t>, </a:t>
+            </a:r>
+            <a:r>
+              <a:rPr lang="ru-RU" sz="2400" dirty="0" smtClean="0">
+                <a:solidFill>
+                  <a:schemeClr val="tx1"/>
+                </a:solidFill>
+              </a:rPr>
+              <a:t>тестирование</a:t>
+            </a:r>
+            <a:r>
+              <a:rPr lang="en-US" sz="2400" dirty="0" smtClean="0">
+                <a:solidFill>
+                  <a:schemeClr val="tx1"/>
+                </a:solidFill>
+              </a:rPr>
+              <a:t>.</a:t>
+            </a:r>
+          </a:p>
+          <a:p>
+            <a:pPr marL="342900" indent="-342900" algn="l">
+              <a:buFont typeface="Arial" panose="020B0604020202020204" pitchFamily="34" charset="0"/>
+              <a:buChar char="•"/>
+            </a:pPr>
+            <a:r>
+              <a:rPr lang="ru-RU" sz="2400" dirty="0" smtClean="0">
+                <a:solidFill>
+                  <a:schemeClr val="tx1"/>
+                </a:solidFill>
+              </a:rPr>
+              <a:t>Январь – общее расширение функционала</a:t>
+            </a:r>
+            <a:r>
+              <a:rPr lang="en-US" sz="2400" dirty="0" smtClean="0">
+                <a:solidFill>
+                  <a:schemeClr val="tx1"/>
+                </a:solidFill>
+              </a:rPr>
+              <a:t>,</a:t>
+            </a:r>
+            <a:r>
+              <a:rPr lang="ru-RU" sz="2400" dirty="0" smtClean="0">
+                <a:solidFill>
+                  <a:schemeClr val="tx1"/>
+                </a:solidFill>
+              </a:rPr>
+              <a:t> привлечение</a:t>
+            </a:r>
+            <a:r>
+              <a:rPr lang="en-US" sz="2400" dirty="0" smtClean="0">
+                <a:solidFill>
+                  <a:schemeClr val="tx1"/>
+                </a:solidFill>
+              </a:rPr>
+              <a:t>. </a:t>
+            </a:r>
+            <a:endParaRPr lang="en-US" sz="2400" dirty="0" smtClean="0">
+              <a:solidFill>
+                <a:schemeClr val="tx1"/>
+              </a:solidFill>
+            </a:endParaRPr>
+          </a:p>
+          <a:p>
+            <a:endParaRPr lang="ru-RU" sz="2400" dirty="0"/>
+          </a:p>
+        </p:txBody>
+      </p:sp>
+    </p:spTree>
+    <p:extLst>
+      <p:ext uri="{BB962C8B-B14F-4D97-AF65-F5344CB8AC3E}">
+        <p14:creationId xmlns:p14="http://schemas.microsoft.com/office/powerpoint/2010/main" val="1391759732"/>
+      </p:ext>
+    </p:extLst>
+  </p:cSld>
+  <p:clrMapOvr>
+    <a:masterClrMapping/>
+  </p:clrMapOvr>
+  <p:timing>
+    <p:tnLst>
+      <p:par>
+        <p:cTn id="1" dur="indefinite" restart="never" nodeType="tmRoot"/>
+      </p:par>
+    </p:tnLst>
+  </p:timing>
+</p:sld>
+</file>
+
+<file path=ppt/slides/slide4.xml><?xml version="1.0" encoding="utf-8"?>
 <p:sld xmlns:a="http://schemas.openxmlformats.org/drawingml/2006/main" xmlns:r="http://schemas.openxmlformats.org/officeDocument/2006/relationships" xmlns:p="http://schemas.openxmlformats.org/presentationml/2006/main">
   <p:cSld>
     <p:spTree>
@@ -4404,7 +5261,7 @@
       </p:grpSpPr>
       <p:pic>
         <p:nvPicPr>
-          <p:cNvPr id="10244" name="Picture 4" descr="Картинки по запросу гит хаб"/>
+          <p:cNvPr id="13" name="Picture 2" descr="http://screenshot.ru/f83990efed11e4eaf61534926f0c05fd.png"/>
           <p:cNvPicPr>
             <a:picLocks noChangeAspect="1" noChangeArrowheads="1"/>
           </p:cNvPicPr>
@@ -4425,8 +5282,8 @@
         </p:blipFill>
         <p:spPr bwMode="auto">
           <a:xfrm>
-            <a:off x="7224465" y="1422862"/>
-            <a:ext cx="3505745" cy="1971982"/>
+            <a:off x="-1" y="0"/>
+            <a:ext cx="12192001" cy="6858000"/>
           </a:xfrm>
           <a:prstGeom prst="rect">
             <a:avLst/>
@@ -4443,237 +5300,6 @@
           </a:extLst>
         </p:spPr>
       </p:pic>
-      <p:pic>
-        <p:nvPicPr>
-          <p:cNvPr id="10250" name="Picture 10" descr="Картинки по запросу java"/>
-          <p:cNvPicPr>
-            <a:picLocks noChangeAspect="1" noChangeArrowheads="1"/>
-          </p:cNvPicPr>
-          <p:nvPr/>
-        </p:nvPicPr>
-        <p:blipFill>
-          <a:blip r:embed="rId3">
-            <a:extLst>
-              <a:ext uri="{28A0092B-C50C-407E-A947-70E740481C1C}">
-                <a14:useLocalDpi xmlns:a14="http://schemas.microsoft.com/office/drawing/2010/main" val="0"/>
-              </a:ext>
-            </a:extLst>
-          </a:blip>
-          <a:srcRect/>
-          <a:stretch>
-            <a:fillRect/>
-          </a:stretch>
-        </p:blipFill>
-        <p:spPr bwMode="auto">
-          <a:xfrm>
-            <a:off x="6447931" y="3532239"/>
-            <a:ext cx="2667000" cy="1412677"/>
-          </a:xfrm>
-          <a:prstGeom prst="rect">
-            <a:avLst/>
-          </a:prstGeom>
-          <a:noFill/>
-          <a:extLst>
-            <a:ext uri="{909E8E84-426E-40DD-AFC4-6F175D3DCCD1}">
-              <a14:hiddenFill xmlns:a14="http://schemas.microsoft.com/office/drawing/2010/main">
-                <a:solidFill>
-                  <a:srgbClr val="FFFFFF"/>
-                </a:solidFill>
-              </a14:hiddenFill>
-            </a:ext>
-          </a:extLst>
-        </p:spPr>
-      </p:pic>
-      <p:sp>
-        <p:nvSpPr>
-          <p:cNvPr id="2" name="AutoShape 12" descr="Картинки по запросу play market"/>
-          <p:cNvSpPr>
-            <a:spLocks noChangeAspect="1" noChangeArrowheads="1"/>
-          </p:cNvSpPr>
-          <p:nvPr/>
-        </p:nvSpPr>
-        <p:spPr bwMode="auto">
-          <a:xfrm>
-            <a:off x="155574" y="-144463"/>
-            <a:ext cx="3966845" cy="3966858"/>
-          </a:xfrm>
-          <a:prstGeom prst="rect">
-            <a:avLst/>
-          </a:prstGeom>
-          <a:noFill/>
-          <a:extLst>
-            <a:ext uri="{909E8E84-426E-40DD-AFC4-6F175D3DCCD1}">
-              <a14:hiddenFill xmlns:a14="http://schemas.microsoft.com/office/drawing/2010/main">
-                <a:solidFill>
-                  <a:srgbClr val="FFFFFF"/>
-                </a:solidFill>
-              </a14:hiddenFill>
-            </a:ext>
-          </a:extLst>
-        </p:spPr>
-        <p:txBody>
-          <a:bodyPr vert="horz" wrap="square" lIns="91440" tIns="45720" rIns="91440" bIns="45720" numCol="1" anchor="t" anchorCtr="0" compatLnSpc="1">
-            <a:prstTxWarp prst="textNoShape">
-              <a:avLst/>
-            </a:prstTxWarp>
-          </a:bodyPr>
-          <a:lstStyle/>
-          <a:p>
-            <a:endParaRPr lang="ru-RU"/>
-          </a:p>
-        </p:txBody>
-      </p:sp>
-      <p:sp>
-        <p:nvSpPr>
-          <p:cNvPr id="4" name="AutoShape 14" descr="Картинки по запросу play market"/>
-          <p:cNvSpPr>
-            <a:spLocks noChangeAspect="1" noChangeArrowheads="1"/>
-          </p:cNvSpPr>
-          <p:nvPr/>
-        </p:nvSpPr>
-        <p:spPr bwMode="auto">
-          <a:xfrm>
-            <a:off x="155575" y="-144463"/>
-            <a:ext cx="304800" cy="304801"/>
-          </a:xfrm>
-          <a:prstGeom prst="rect">
-            <a:avLst/>
-          </a:prstGeom>
-          <a:noFill/>
-          <a:extLst>
-            <a:ext uri="{909E8E84-426E-40DD-AFC4-6F175D3DCCD1}">
-              <a14:hiddenFill xmlns:a14="http://schemas.microsoft.com/office/drawing/2010/main">
-                <a:solidFill>
-                  <a:srgbClr val="FFFFFF"/>
-                </a:solidFill>
-              </a14:hiddenFill>
-            </a:ext>
-          </a:extLst>
-        </p:spPr>
-        <p:txBody>
-          <a:bodyPr vert="horz" wrap="square" lIns="91440" tIns="45720" rIns="91440" bIns="45720" numCol="1" anchor="t" anchorCtr="0" compatLnSpc="1">
-            <a:prstTxWarp prst="textNoShape">
-              <a:avLst/>
-            </a:prstTxWarp>
-          </a:bodyPr>
-          <a:lstStyle/>
-          <a:p>
-            <a:endParaRPr lang="ru-RU"/>
-          </a:p>
-        </p:txBody>
-      </p:sp>
-      <p:pic>
-        <p:nvPicPr>
-          <p:cNvPr id="10242" name="Picture 2" descr="Картинки по запросу heroku"/>
-          <p:cNvPicPr>
-            <a:picLocks noChangeAspect="1" noChangeArrowheads="1"/>
-          </p:cNvPicPr>
-          <p:nvPr/>
-        </p:nvPicPr>
-        <p:blipFill>
-          <a:blip r:embed="rId4">
-            <a:extLst>
-              <a:ext uri="{28A0092B-C50C-407E-A947-70E740481C1C}">
-                <a14:useLocalDpi xmlns:a14="http://schemas.microsoft.com/office/drawing/2010/main" val="0"/>
-              </a:ext>
-            </a:extLst>
-          </a:blip>
-          <a:srcRect/>
-          <a:stretch>
-            <a:fillRect/>
-          </a:stretch>
-        </p:blipFill>
-        <p:spPr bwMode="auto">
-          <a:xfrm>
-            <a:off x="1493521" y="1422862"/>
-            <a:ext cx="3246119" cy="1483941"/>
-          </a:xfrm>
-          <a:prstGeom prst="rect">
-            <a:avLst/>
-          </a:prstGeom>
-          <a:noFill/>
-          <a:extLst>
-            <a:ext uri="{909E8E84-426E-40DD-AFC4-6F175D3DCCD1}">
-              <a14:hiddenFill xmlns:a14="http://schemas.microsoft.com/office/drawing/2010/main">
-                <a:solidFill>
-                  <a:srgbClr val="FFFFFF"/>
-                </a:solidFill>
-              </a14:hiddenFill>
-            </a:ext>
-          </a:extLst>
-        </p:spPr>
-      </p:pic>
-      <p:pic>
-        <p:nvPicPr>
-          <p:cNvPr id="10246" name="Picture 6" descr="Картинки по запросу intellij idea ultimate"/>
-          <p:cNvPicPr>
-            <a:picLocks noChangeAspect="1" noChangeArrowheads="1"/>
-          </p:cNvPicPr>
-          <p:nvPr/>
-        </p:nvPicPr>
-        <p:blipFill>
-          <a:blip r:embed="rId5">
-            <a:extLst>
-              <a:ext uri="{28A0092B-C50C-407E-A947-70E740481C1C}">
-                <a14:useLocalDpi xmlns:a14="http://schemas.microsoft.com/office/drawing/2010/main" val="0"/>
-              </a:ext>
-            </a:extLst>
-          </a:blip>
-          <a:srcRect/>
-          <a:stretch>
-            <a:fillRect/>
-          </a:stretch>
-        </p:blipFill>
-        <p:spPr bwMode="auto">
-          <a:xfrm>
-            <a:off x="3193839" y="2816555"/>
-            <a:ext cx="2011680" cy="2011680"/>
-          </a:xfrm>
-          <a:prstGeom prst="rect">
-            <a:avLst/>
-          </a:prstGeom>
-          <a:noFill/>
-          <a:extLst>
-            <a:ext uri="{909E8E84-426E-40DD-AFC4-6F175D3DCCD1}">
-              <a14:hiddenFill xmlns:a14="http://schemas.microsoft.com/office/drawing/2010/main">
-                <a:solidFill>
-                  <a:srgbClr val="FFFFFF"/>
-                </a:solidFill>
-              </a14:hiddenFill>
-            </a:ext>
-          </a:extLst>
-        </p:spPr>
-      </p:pic>
-    </p:spTree>
-    <p:extLst>
-      <p:ext uri="{BB962C8B-B14F-4D97-AF65-F5344CB8AC3E}">
-        <p14:creationId xmlns:p14="http://schemas.microsoft.com/office/powerpoint/2010/main" val="1956656200"/>
-      </p:ext>
-    </p:extLst>
-  </p:cSld>
-  <p:clrMapOvr>
-    <a:masterClrMapping/>
-  </p:clrMapOvr>
-</p:sld>
-</file>
-
-<file path=ppt/slides/slide11.xml><?xml version="1.0" encoding="utf-8"?>
-<p:sld xmlns:a="http://schemas.openxmlformats.org/drawingml/2006/main" xmlns:r="http://schemas.openxmlformats.org/officeDocument/2006/relationships" xmlns:p="http://schemas.openxmlformats.org/presentationml/2006/main">
-  <p:cSld>
-    <p:spTree>
-      <p:nvGrpSpPr>
-        <p:cNvPr id="1" name=""/>
-        <p:cNvGrpSpPr/>
-        <p:nvPr/>
-      </p:nvGrpSpPr>
-      <p:grpSpPr>
-        <a:xfrm>
-          <a:off x="0" y="0"/>
-          <a:ext cx="0" cy="0"/>
-          <a:chOff x="0" y="0"/>
-          <a:chExt cx="0" cy="0"/>
-        </a:xfrm>
-      </p:grpSpPr>
       <p:sp>
         <p:nvSpPr>
           <p:cNvPr id="3" name="Подзаголовок 2"/>
@@ -4686,783 +5312,7 @@
         </p:nvSpPr>
         <p:spPr>
           <a:xfrm>
-            <a:off x="1455420" y="1889761"/>
-            <a:ext cx="9288780" cy="3566160"/>
-          </a:xfrm>
-        </p:spPr>
-        <p:txBody>
-          <a:bodyPr>
-            <a:noAutofit/>
-          </a:bodyPr>
-          <a:lstStyle/>
-          <a:p>
-            <a:pPr algn="l"/>
-            <a:r>
-              <a:rPr lang="ru-RU" sz="3200" b="1" dirty="0" smtClean="0">
-                <a:solidFill>
-                  <a:schemeClr val="tx1"/>
-                </a:solidFill>
-              </a:rPr>
-              <a:t>Выводы</a:t>
-            </a:r>
-            <a:r>
-              <a:rPr lang="en-US" sz="3200" b="1" dirty="0" smtClean="0">
-                <a:solidFill>
-                  <a:schemeClr val="tx1"/>
-                </a:solidFill>
-              </a:rPr>
-              <a:t>:</a:t>
-            </a:r>
-            <a:r>
-              <a:rPr lang="ru-RU" sz="3200" b="1" dirty="0">
-                <a:solidFill>
-                  <a:schemeClr val="tx1"/>
-                </a:solidFill>
-              </a:rPr>
-              <a:t> </a:t>
-            </a:r>
-            <a:r>
-              <a:rPr lang="ru-RU" sz="3200" dirty="0" smtClean="0">
-                <a:solidFill>
-                  <a:schemeClr val="tx1"/>
-                </a:solidFill>
-              </a:rPr>
-              <a:t>была создана открытая независимая система мало связных модулей</a:t>
-            </a:r>
-            <a:r>
-              <a:rPr lang="en-US" sz="3200" dirty="0" smtClean="0">
-                <a:solidFill>
-                  <a:schemeClr val="tx1"/>
-                </a:solidFill>
-              </a:rPr>
-              <a:t>, </a:t>
-            </a:r>
-            <a:r>
-              <a:rPr lang="ru-RU" sz="3200" dirty="0" smtClean="0">
-                <a:solidFill>
-                  <a:schemeClr val="tx1"/>
-                </a:solidFill>
-              </a:rPr>
-              <a:t>способная оповещать людей о настоящем состоянии погоды</a:t>
-            </a:r>
-            <a:r>
-              <a:rPr lang="en-US" sz="3200" dirty="0" smtClean="0">
-                <a:solidFill>
-                  <a:schemeClr val="tx1"/>
-                </a:solidFill>
-              </a:rPr>
-              <a:t>.</a:t>
-            </a:r>
-            <a:r>
-              <a:rPr lang="en-US" sz="3200" b="1" dirty="0" smtClean="0">
-                <a:solidFill>
-                  <a:schemeClr val="tx1"/>
-                </a:solidFill>
-              </a:rPr>
-              <a:t> </a:t>
-            </a:r>
-            <a:endParaRPr lang="en-US" sz="3200" dirty="0" smtClean="0">
-              <a:solidFill>
-                <a:schemeClr val="tx1"/>
-              </a:solidFill>
-            </a:endParaRPr>
-          </a:p>
-          <a:p>
-            <a:pPr algn="l"/>
-            <a:r>
-              <a:rPr lang="ru-RU" sz="3200" b="1" dirty="0" smtClean="0">
-                <a:solidFill>
-                  <a:schemeClr val="tx1"/>
-                </a:solidFill>
-              </a:rPr>
-              <a:t>Планы на будущее</a:t>
-            </a:r>
-            <a:r>
-              <a:rPr lang="en-US" sz="3200" b="1" dirty="0" smtClean="0">
-                <a:solidFill>
-                  <a:schemeClr val="tx1"/>
-                </a:solidFill>
-              </a:rPr>
-              <a:t>: </a:t>
-            </a:r>
-            <a:r>
-              <a:rPr lang="ru-RU" sz="3200" dirty="0" smtClean="0">
-                <a:solidFill>
-                  <a:schemeClr val="tx1">
-                    <a:lumMod val="95000"/>
-                    <a:lumOff val="5000"/>
-                  </a:schemeClr>
-                </a:solidFill>
-              </a:rPr>
-              <a:t>организовать прогноз</a:t>
-            </a:r>
-            <a:r>
-              <a:rPr lang="en-US" sz="3200" dirty="0" smtClean="0">
-                <a:solidFill>
-                  <a:schemeClr val="tx1">
-                    <a:lumMod val="95000"/>
-                    <a:lumOff val="5000"/>
-                  </a:schemeClr>
-                </a:solidFill>
-              </a:rPr>
-              <a:t>, </a:t>
-            </a:r>
-            <a:r>
-              <a:rPr lang="ru-RU" sz="3200" dirty="0" smtClean="0">
-                <a:solidFill>
-                  <a:schemeClr val="tx1">
-                    <a:lumMod val="95000"/>
-                    <a:lumOff val="5000"/>
-                  </a:schemeClr>
-                </a:solidFill>
-              </a:rPr>
-              <a:t>уменьшить потребление</a:t>
-            </a:r>
-            <a:r>
-              <a:rPr lang="en-US" sz="3200" dirty="0" smtClean="0">
-                <a:solidFill>
-                  <a:schemeClr val="tx1">
-                    <a:lumMod val="95000"/>
-                    <a:lumOff val="5000"/>
-                  </a:schemeClr>
-                </a:solidFill>
-              </a:rPr>
-              <a:t> </a:t>
-            </a:r>
-            <a:r>
-              <a:rPr lang="ru-RU" sz="3200" dirty="0" smtClean="0">
-                <a:solidFill>
-                  <a:schemeClr val="tx1">
-                    <a:lumMod val="95000"/>
-                    <a:lumOff val="5000"/>
-                  </a:schemeClr>
-                </a:solidFill>
-              </a:rPr>
-              <a:t>датчика</a:t>
-            </a:r>
-            <a:r>
-              <a:rPr lang="en-US" sz="3200" dirty="0" smtClean="0">
-                <a:solidFill>
-                  <a:schemeClr val="tx1">
-                    <a:lumMod val="95000"/>
-                    <a:lumOff val="5000"/>
-                  </a:schemeClr>
-                </a:solidFill>
-              </a:rPr>
-              <a:t>, </a:t>
-            </a:r>
-            <a:r>
-              <a:rPr lang="ru-RU" sz="3200" dirty="0" smtClean="0">
-                <a:solidFill>
-                  <a:schemeClr val="tx1">
-                    <a:lumMod val="95000"/>
-                    <a:lumOff val="5000"/>
-                  </a:schemeClr>
-                </a:solidFill>
-              </a:rPr>
-              <a:t>совместить сервер со </a:t>
-            </a:r>
-            <a:r>
-              <a:rPr lang="en-US" sz="3200" dirty="0" smtClean="0">
-                <a:solidFill>
-                  <a:schemeClr val="tx1">
-                    <a:lumMod val="95000"/>
-                    <a:lumOff val="5000"/>
-                  </a:schemeClr>
-                </a:solidFill>
-              </a:rPr>
-              <a:t>Spring, </a:t>
-            </a:r>
-            <a:r>
-              <a:rPr lang="ru-RU" sz="3200" dirty="0" smtClean="0">
-                <a:solidFill>
-                  <a:schemeClr val="tx1">
-                    <a:lumMod val="95000"/>
-                    <a:lumOff val="5000"/>
-                  </a:schemeClr>
-                </a:solidFill>
-              </a:rPr>
-              <a:t>написать документацию к коду</a:t>
-            </a:r>
-            <a:r>
-              <a:rPr lang="en-US" sz="3200" dirty="0" smtClean="0">
-                <a:solidFill>
-                  <a:schemeClr val="tx1">
-                    <a:lumMod val="95000"/>
-                    <a:lumOff val="5000"/>
-                  </a:schemeClr>
-                </a:solidFill>
-              </a:rPr>
-              <a:t>.</a:t>
-            </a:r>
-            <a:endParaRPr lang="ru-RU" sz="3200" b="1" dirty="0">
-              <a:solidFill>
-                <a:schemeClr val="tx1">
-                  <a:lumMod val="95000"/>
-                  <a:lumOff val="5000"/>
-                </a:schemeClr>
-              </a:solidFill>
-            </a:endParaRPr>
-          </a:p>
-        </p:txBody>
-      </p:sp>
-    </p:spTree>
-    <p:extLst>
-      <p:ext uri="{BB962C8B-B14F-4D97-AF65-F5344CB8AC3E}">
-        <p14:creationId xmlns:p14="http://schemas.microsoft.com/office/powerpoint/2010/main" val="2660634465"/>
-      </p:ext>
-    </p:extLst>
-  </p:cSld>
-  <p:clrMapOvr>
-    <a:masterClrMapping/>
-  </p:clrMapOvr>
-</p:sld>
-</file>
-
-<file path=ppt/slides/slide12.xml><?xml version="1.0" encoding="utf-8"?>
-<p:sld xmlns:a="http://schemas.openxmlformats.org/drawingml/2006/main" xmlns:r="http://schemas.openxmlformats.org/officeDocument/2006/relationships" xmlns:p="http://schemas.openxmlformats.org/presentationml/2006/main">
-  <p:cSld>
-    <p:spTree>
-      <p:nvGrpSpPr>
-        <p:cNvPr id="1" name=""/>
-        <p:cNvGrpSpPr/>
-        <p:nvPr/>
-      </p:nvGrpSpPr>
-      <p:grpSpPr>
-        <a:xfrm>
-          <a:off x="0" y="0"/>
-          <a:ext cx="0" cy="0"/>
-          <a:chOff x="0" y="0"/>
-          <a:chExt cx="0" cy="0"/>
-        </a:xfrm>
-      </p:grpSpPr>
-      <p:pic>
-        <p:nvPicPr>
-          <p:cNvPr id="5" name="Рисунок 4"/>
-          <p:cNvPicPr>
-            <a:picLocks noChangeAspect="1"/>
-          </p:cNvPicPr>
-          <p:nvPr/>
-        </p:nvPicPr>
-        <p:blipFill>
-          <a:blip r:embed="rId2">
-            <a:extLst>
-              <a:ext uri="{28A0092B-C50C-407E-A947-70E740481C1C}">
-                <a14:useLocalDpi xmlns:a14="http://schemas.microsoft.com/office/drawing/2010/main" val="0"/>
-              </a:ext>
-            </a:extLst>
-          </a:blip>
-          <a:stretch>
-            <a:fillRect/>
-          </a:stretch>
-        </p:blipFill>
-        <p:spPr>
-          <a:xfrm>
-            <a:off x="-76200" y="-54650"/>
-            <a:ext cx="9547860" cy="6912650"/>
-          </a:xfrm>
-          <a:prstGeom prst="rect">
-            <a:avLst/>
-          </a:prstGeom>
-        </p:spPr>
-      </p:pic>
-      <p:pic>
-        <p:nvPicPr>
-          <p:cNvPr id="12292" name="Picture 4" descr="Картинки по запросу белый фон"/>
-          <p:cNvPicPr>
-            <a:picLocks noChangeAspect="1" noChangeArrowheads="1"/>
-          </p:cNvPicPr>
-          <p:nvPr/>
-        </p:nvPicPr>
-        <p:blipFill>
-          <a:blip r:embed="rId3">
-            <a:extLst>
-              <a:ext uri="{28A0092B-C50C-407E-A947-70E740481C1C}">
-                <a14:useLocalDpi xmlns:a14="http://schemas.microsoft.com/office/drawing/2010/main" val="0"/>
-              </a:ext>
-            </a:extLst>
-          </a:blip>
-          <a:srcRect/>
-          <a:stretch>
-            <a:fillRect/>
-          </a:stretch>
-        </p:blipFill>
-        <p:spPr bwMode="auto">
-          <a:xfrm>
-            <a:off x="8686800" y="-265748"/>
-            <a:ext cx="12813029" cy="8563928"/>
-          </a:xfrm>
-          <a:prstGeom prst="rect">
-            <a:avLst/>
-          </a:prstGeom>
-          <a:noFill/>
-          <a:extLst>
-            <a:ext uri="{909E8E84-426E-40DD-AFC4-6F175D3DCCD1}">
-              <a14:hiddenFill xmlns:a14="http://schemas.microsoft.com/office/drawing/2010/main">
-                <a:solidFill>
-                  <a:srgbClr val="FFFFFF"/>
-                </a:solidFill>
-              </a14:hiddenFill>
-            </a:ext>
-          </a:extLst>
-        </p:spPr>
-      </p:pic>
-      <p:sp>
-        <p:nvSpPr>
-          <p:cNvPr id="3" name="Подзаголовок 2"/>
-          <p:cNvSpPr>
-            <a:spLocks noGrp="1"/>
-          </p:cNvSpPr>
-          <p:nvPr>
-            <p:ph type="subTitle" idx="1"/>
-          </p:nvPr>
-        </p:nvSpPr>
-        <p:spPr>
-          <a:xfrm>
-            <a:off x="3775710" y="960318"/>
-            <a:ext cx="9070848" cy="3203585"/>
-          </a:xfrm>
-        </p:spPr>
-        <p:txBody>
-          <a:bodyPr>
-            <a:noAutofit/>
-          </a:bodyPr>
-          <a:lstStyle/>
-          <a:p>
-            <a:r>
-              <a:rPr lang="ru-RU" sz="4400" b="1" dirty="0" smtClean="0">
-                <a:solidFill>
-                  <a:schemeClr val="tx1">
-                    <a:lumMod val="95000"/>
-                    <a:lumOff val="5000"/>
-                  </a:schemeClr>
-                </a:solidFill>
-              </a:rPr>
-              <a:t>Спасибо за внимание!</a:t>
-            </a:r>
-            <a:endParaRPr lang="ru-RU" sz="4400" b="1" dirty="0">
-              <a:solidFill>
-                <a:schemeClr val="tx1">
-                  <a:lumMod val="95000"/>
-                  <a:lumOff val="5000"/>
-                </a:schemeClr>
-              </a:solidFill>
-            </a:endParaRPr>
-          </a:p>
-        </p:txBody>
-      </p:sp>
-    </p:spTree>
-    <p:extLst>
-      <p:ext uri="{BB962C8B-B14F-4D97-AF65-F5344CB8AC3E}">
-        <p14:creationId xmlns:p14="http://schemas.microsoft.com/office/powerpoint/2010/main" val="3506473948"/>
-      </p:ext>
-    </p:extLst>
-  </p:cSld>
-  <p:clrMapOvr>
-    <a:masterClrMapping/>
-  </p:clrMapOvr>
-</p:sld>
-</file>
-
-<file path=ppt/slides/slide2.xml><?xml version="1.0" encoding="utf-8"?>
-<p:sld xmlns:a="http://schemas.openxmlformats.org/drawingml/2006/main" xmlns:r="http://schemas.openxmlformats.org/officeDocument/2006/relationships" xmlns:p="http://schemas.openxmlformats.org/presentationml/2006/main">
-  <p:cSld>
-    <p:spTree>
-      <p:nvGrpSpPr>
-        <p:cNvPr id="1" name=""/>
-        <p:cNvGrpSpPr/>
-        <p:nvPr/>
-      </p:nvGrpSpPr>
-      <p:grpSpPr>
-        <a:xfrm>
-          <a:off x="0" y="0"/>
-          <a:ext cx="0" cy="0"/>
-          <a:chOff x="0" y="0"/>
-          <a:chExt cx="0" cy="0"/>
-        </a:xfrm>
-      </p:grpSpPr>
-      <p:sp>
-        <p:nvSpPr>
-          <p:cNvPr id="3" name="Подзаголовок 2"/>
-          <p:cNvSpPr>
-            <a:spLocks noGrp="1"/>
-          </p:cNvSpPr>
-          <p:nvPr>
-            <p:ph type="subTitle" idx="1"/>
-          </p:nvPr>
-        </p:nvSpPr>
-        <p:spPr>
-          <a:xfrm>
-            <a:off x="1455420" y="1935678"/>
-            <a:ext cx="9296400" cy="3520242"/>
-          </a:xfrm>
-        </p:spPr>
-        <p:txBody>
-          <a:bodyPr>
-            <a:noAutofit/>
-          </a:bodyPr>
-          <a:lstStyle/>
-          <a:p>
-            <a:r>
-              <a:rPr lang="ru-RU" sz="2400" b="1" dirty="0" smtClean="0">
-                <a:solidFill>
-                  <a:schemeClr val="tx1"/>
-                </a:solidFill>
-              </a:rPr>
-              <a:t>Цель работы</a:t>
-            </a:r>
-            <a:r>
-              <a:rPr lang="en-US" sz="2400" b="1" dirty="0" smtClean="0">
-                <a:solidFill>
-                  <a:schemeClr val="tx1"/>
-                </a:solidFill>
-              </a:rPr>
-              <a:t>: </a:t>
-            </a:r>
-            <a:r>
-              <a:rPr lang="ru-RU" sz="2400" dirty="0" smtClean="0">
-                <a:solidFill>
-                  <a:schemeClr val="tx1">
-                    <a:lumMod val="95000"/>
-                    <a:lumOff val="5000"/>
-                  </a:schemeClr>
-                </a:solidFill>
-              </a:rPr>
-              <a:t>создать полностью самостоятельный сервис</a:t>
-            </a:r>
-            <a:r>
-              <a:rPr lang="en-US" sz="2400" dirty="0" smtClean="0">
-                <a:solidFill>
-                  <a:schemeClr val="tx1">
-                    <a:lumMod val="95000"/>
-                    <a:lumOff val="5000"/>
-                  </a:schemeClr>
-                </a:solidFill>
-              </a:rPr>
-              <a:t> </a:t>
-            </a:r>
-            <a:r>
-              <a:rPr lang="ru-RU" sz="2400" dirty="0" smtClean="0">
-                <a:solidFill>
-                  <a:schemeClr val="tx1">
-                    <a:lumMod val="95000"/>
-                    <a:lumOff val="5000"/>
-                  </a:schemeClr>
-                </a:solidFill>
-              </a:rPr>
-              <a:t>с открытым исходным кодом</a:t>
-            </a:r>
-            <a:r>
-              <a:rPr lang="en-US" sz="2400" dirty="0" smtClean="0">
-                <a:solidFill>
-                  <a:schemeClr val="tx1">
-                    <a:lumMod val="95000"/>
-                    <a:lumOff val="5000"/>
-                  </a:schemeClr>
-                </a:solidFill>
-              </a:rPr>
-              <a:t>, </a:t>
-            </a:r>
-            <a:r>
-              <a:rPr lang="ru-RU" sz="2400" dirty="0" smtClean="0">
-                <a:solidFill>
-                  <a:schemeClr val="tx1">
-                    <a:lumMod val="95000"/>
-                    <a:lumOff val="5000"/>
-                  </a:schemeClr>
-                </a:solidFill>
-              </a:rPr>
-              <a:t>способный считывать</a:t>
-            </a:r>
-            <a:r>
-              <a:rPr lang="en-US" sz="2400" dirty="0" smtClean="0">
-                <a:solidFill>
-                  <a:schemeClr val="tx1">
-                    <a:lumMod val="95000"/>
-                    <a:lumOff val="5000"/>
-                  </a:schemeClr>
-                </a:solidFill>
-              </a:rPr>
-              <a:t>, </a:t>
-            </a:r>
-            <a:r>
-              <a:rPr lang="ru-RU" sz="2400" dirty="0" smtClean="0">
-                <a:solidFill>
-                  <a:schemeClr val="tx1">
-                    <a:lumMod val="95000"/>
-                    <a:lumOff val="5000"/>
-                  </a:schemeClr>
-                </a:solidFill>
-              </a:rPr>
-              <a:t>запоминать и отсылать метеоданные</a:t>
-            </a:r>
-            <a:r>
-              <a:rPr lang="en-US" sz="2400" dirty="0">
-                <a:solidFill>
-                  <a:schemeClr val="tx1">
-                    <a:lumMod val="95000"/>
-                    <a:lumOff val="5000"/>
-                  </a:schemeClr>
-                </a:solidFill>
-              </a:rPr>
-              <a:t> </a:t>
-            </a:r>
-            <a:r>
-              <a:rPr lang="ru-RU" sz="2400" dirty="0" smtClean="0">
-                <a:solidFill>
-                  <a:schemeClr val="tx1">
-                    <a:lumMod val="95000"/>
-                    <a:lumOff val="5000"/>
-                  </a:schemeClr>
-                </a:solidFill>
-              </a:rPr>
-              <a:t>в интуитивно понятном формате</a:t>
-            </a:r>
-            <a:r>
-              <a:rPr lang="en-US" sz="2400" dirty="0" smtClean="0">
-                <a:solidFill>
-                  <a:schemeClr val="tx1">
-                    <a:lumMod val="95000"/>
-                    <a:lumOff val="5000"/>
-                  </a:schemeClr>
-                </a:solidFill>
-              </a:rPr>
-              <a:t>.</a:t>
-            </a:r>
-            <a:endParaRPr lang="ru-RU" sz="2400" dirty="0" smtClean="0">
-              <a:solidFill>
-                <a:schemeClr val="tx1">
-                  <a:lumMod val="95000"/>
-                  <a:lumOff val="5000"/>
-                </a:schemeClr>
-              </a:solidFill>
-            </a:endParaRPr>
-          </a:p>
-          <a:p>
-            <a:r>
-              <a:rPr lang="ru-RU" sz="2400" b="1" dirty="0" smtClean="0">
-                <a:solidFill>
-                  <a:schemeClr val="tx1"/>
-                </a:solidFill>
-              </a:rPr>
-              <a:t>Задачи</a:t>
-            </a:r>
-            <a:r>
-              <a:rPr lang="en-US" sz="2400" b="1" dirty="0" smtClean="0">
-                <a:solidFill>
-                  <a:schemeClr val="tx1"/>
-                </a:solidFill>
-              </a:rPr>
-              <a:t>: </a:t>
-            </a:r>
-            <a:r>
-              <a:rPr lang="ru-RU" sz="2400" dirty="0" smtClean="0">
-                <a:solidFill>
-                  <a:schemeClr val="tx1">
-                    <a:lumMod val="95000"/>
-                    <a:lumOff val="5000"/>
-                  </a:schemeClr>
-                </a:solidFill>
-              </a:rPr>
-              <a:t>создать датчик отправляющий данные</a:t>
-            </a:r>
-            <a:r>
-              <a:rPr lang="en-US" sz="2400" dirty="0" smtClean="0">
-                <a:solidFill>
-                  <a:schemeClr val="tx1">
-                    <a:lumMod val="95000"/>
-                    <a:lumOff val="5000"/>
-                  </a:schemeClr>
-                </a:solidFill>
-              </a:rPr>
-              <a:t>, </a:t>
-            </a:r>
-            <a:r>
-              <a:rPr lang="ru-RU" sz="2400" dirty="0" smtClean="0">
-                <a:solidFill>
-                  <a:schemeClr val="tx1">
-                    <a:lumMod val="95000"/>
-                    <a:lumOff val="5000"/>
-                  </a:schemeClr>
-                </a:solidFill>
-              </a:rPr>
-              <a:t>сервер</a:t>
-            </a:r>
-            <a:r>
-              <a:rPr lang="en-US" sz="2400" dirty="0" smtClean="0">
-                <a:solidFill>
-                  <a:schemeClr val="tx1">
-                    <a:lumMod val="95000"/>
-                    <a:lumOff val="5000"/>
-                  </a:schemeClr>
-                </a:solidFill>
-              </a:rPr>
-              <a:t>, android </a:t>
-            </a:r>
-            <a:r>
-              <a:rPr lang="ru-RU" sz="2400" dirty="0" smtClean="0">
-                <a:solidFill>
-                  <a:schemeClr val="tx1">
-                    <a:lumMod val="95000"/>
-                    <a:lumOff val="5000"/>
-                  </a:schemeClr>
-                </a:solidFill>
-              </a:rPr>
-              <a:t>приложение – клиент</a:t>
-            </a:r>
-            <a:r>
-              <a:rPr lang="en-US" sz="2400" dirty="0" smtClean="0">
-                <a:solidFill>
-                  <a:schemeClr val="tx1">
-                    <a:lumMod val="95000"/>
-                    <a:lumOff val="5000"/>
-                  </a:schemeClr>
-                </a:solidFill>
-              </a:rPr>
-              <a:t>, </a:t>
-            </a:r>
-            <a:r>
-              <a:rPr lang="ru-RU" sz="2400" dirty="0" smtClean="0">
-                <a:solidFill>
-                  <a:schemeClr val="tx1">
-                    <a:lumMod val="95000"/>
-                    <a:lumOff val="5000"/>
-                  </a:schemeClr>
-                </a:solidFill>
-              </a:rPr>
-              <a:t>объединить все модули слабыми зависимостями</a:t>
-            </a:r>
-            <a:r>
-              <a:rPr lang="en-US" sz="2400" dirty="0" smtClean="0">
-                <a:solidFill>
-                  <a:schemeClr val="tx1">
-                    <a:lumMod val="95000"/>
-                    <a:lumOff val="5000"/>
-                  </a:schemeClr>
-                </a:solidFill>
-              </a:rPr>
-              <a:t>, </a:t>
-            </a:r>
-            <a:r>
-              <a:rPr lang="ru-RU" sz="2400" dirty="0" smtClean="0">
-                <a:solidFill>
-                  <a:schemeClr val="tx1">
-                    <a:lumMod val="95000"/>
-                    <a:lumOff val="5000"/>
-                  </a:schemeClr>
-                </a:solidFill>
-              </a:rPr>
-              <a:t>реализовать прототип</a:t>
-            </a:r>
-            <a:r>
-              <a:rPr lang="en-US" sz="2400" dirty="0" smtClean="0">
-                <a:solidFill>
-                  <a:schemeClr val="tx1">
-                    <a:lumMod val="95000"/>
-                    <a:lumOff val="5000"/>
-                  </a:schemeClr>
-                </a:solidFill>
-              </a:rPr>
-              <a:t>, </a:t>
-            </a:r>
-            <a:r>
-              <a:rPr lang="ru-RU" sz="2400" dirty="0" smtClean="0">
-                <a:solidFill>
-                  <a:schemeClr val="tx1">
-                    <a:lumMod val="95000"/>
-                    <a:lumOff val="5000"/>
-                  </a:schemeClr>
-                </a:solidFill>
-              </a:rPr>
-              <a:t>выложить проект в открытый доступ с лицензией </a:t>
-            </a:r>
-            <a:r>
-              <a:rPr lang="en-US" sz="2400" dirty="0" smtClean="0">
-                <a:solidFill>
-                  <a:schemeClr val="tx1">
-                    <a:lumMod val="95000"/>
-                    <a:lumOff val="5000"/>
-                  </a:schemeClr>
-                </a:solidFill>
-              </a:rPr>
-              <a:t>MIT, </a:t>
-            </a:r>
-            <a:r>
-              <a:rPr lang="ru-RU" sz="2400" dirty="0" smtClean="0">
-                <a:solidFill>
-                  <a:schemeClr val="tx1">
-                    <a:lumMod val="95000"/>
-                    <a:lumOff val="5000"/>
-                  </a:schemeClr>
-                </a:solidFill>
-              </a:rPr>
-              <a:t>протестировать и отладить</a:t>
-            </a:r>
-            <a:r>
-              <a:rPr lang="en-US" sz="2400" dirty="0" smtClean="0">
-                <a:solidFill>
-                  <a:schemeClr val="tx1">
-                    <a:lumMod val="95000"/>
-                    <a:lumOff val="5000"/>
-                  </a:schemeClr>
-                </a:solidFill>
-              </a:rPr>
-              <a:t>.</a:t>
-            </a:r>
-            <a:endParaRPr lang="ru-RU" sz="2400" dirty="0">
-              <a:solidFill>
-                <a:schemeClr val="tx1">
-                  <a:lumMod val="95000"/>
-                  <a:lumOff val="5000"/>
-                </a:schemeClr>
-              </a:solidFill>
-            </a:endParaRPr>
-          </a:p>
-        </p:txBody>
-      </p:sp>
-    </p:spTree>
-    <p:extLst>
-      <p:ext uri="{BB962C8B-B14F-4D97-AF65-F5344CB8AC3E}">
-        <p14:creationId xmlns:p14="http://schemas.microsoft.com/office/powerpoint/2010/main" val="363658645"/>
-      </p:ext>
-    </p:extLst>
-  </p:cSld>
-  <p:clrMapOvr>
-    <a:masterClrMapping/>
-  </p:clrMapOvr>
-</p:sld>
-</file>
-
-<file path=ppt/slides/slide3.xml><?xml version="1.0" encoding="utf-8"?>
-<p:sld xmlns:a="http://schemas.openxmlformats.org/drawingml/2006/main" xmlns:r="http://schemas.openxmlformats.org/officeDocument/2006/relationships" xmlns:p="http://schemas.openxmlformats.org/presentationml/2006/main">
-  <p:cSld>
-    <p:spTree>
-      <p:nvGrpSpPr>
-        <p:cNvPr id="1" name=""/>
-        <p:cNvGrpSpPr/>
-        <p:nvPr/>
-      </p:nvGrpSpPr>
-      <p:grpSpPr>
-        <a:xfrm>
-          <a:off x="0" y="0"/>
-          <a:ext cx="0" cy="0"/>
-          <a:chOff x="0" y="0"/>
-          <a:chExt cx="0" cy="0"/>
-        </a:xfrm>
-      </p:grpSpPr>
-      <p:sp>
-        <p:nvSpPr>
-          <p:cNvPr id="3" name="Подзаголовок 2"/>
-          <p:cNvSpPr>
-            <a:spLocks noGrp="1"/>
-          </p:cNvSpPr>
-          <p:nvPr>
-            <p:ph type="subTitle" idx="1"/>
-          </p:nvPr>
-        </p:nvSpPr>
-        <p:spPr>
-          <a:xfrm>
-            <a:off x="1454728" y="1381125"/>
+            <a:off x="2696788" y="1457325"/>
             <a:ext cx="9298378" cy="4111213"/>
           </a:xfrm>
         </p:spPr>
@@ -5497,21 +5347,20 @@
             <a:endParaRPr lang="en-US" sz="2400" dirty="0" smtClean="0"/>
           </a:p>
           <a:p>
+            <a:endParaRPr lang="en-US" sz="2400" b="1" dirty="0" smtClean="0">
+              <a:solidFill>
+                <a:schemeClr val="tx1"/>
+              </a:solidFill>
+            </a:endParaRPr>
+          </a:p>
+          <a:p>
             <a:r>
               <a:rPr lang="ru-RU" sz="2400" b="1" dirty="0" smtClean="0">
                 <a:solidFill>
                   <a:schemeClr val="tx1"/>
                 </a:solidFill>
               </a:rPr>
-              <a:t>   Датчик                                                       Клиент </a:t>
-            </a:r>
-            <a:r>
-              <a:rPr lang="en-US" sz="2400" b="1" dirty="0" smtClean="0">
-                <a:solidFill>
-                  <a:schemeClr val="tx1"/>
-                </a:solidFill>
-              </a:rPr>
-              <a:t>Android App</a:t>
+              <a:t>Датчик                                                       </a:t>
             </a:r>
             <a:r>
               <a:rPr lang="ru-RU" sz="2400" b="1" dirty="0" smtClean="0">
@@ -5519,7 +5368,7 @@
                   <a:schemeClr val="tx1"/>
                 </a:solidFill>
               </a:rPr>
-              <a:t> Датчик                                                       Клиент</a:t>
+              <a:t>Клиент</a:t>
             </a:r>
             <a:r>
               <a:rPr lang="en-US" sz="2400" b="1" dirty="0" smtClean="0">
@@ -5550,15 +5399,7 @@
                   <a:schemeClr val="tx1"/>
                 </a:solidFill>
               </a:rPr>
-              <a:t>   Датчик                                                       </a:t>
-            </a:r>
-            <a:r>
-              <a:rPr lang="ru-RU" sz="2400" b="1" dirty="0" smtClean="0">
-                <a:solidFill>
-                  <a:schemeClr val="tx1"/>
-                </a:solidFill>
-              </a:rPr>
-              <a:t>Клиент </a:t>
+              <a:t>   Датчик                                                       Клиент </a:t>
             </a:r>
             <a:r>
               <a:rPr lang="en-US" sz="2400" b="1" dirty="0">
@@ -5614,42 +5455,6 @@
           </a:p>
         </p:txBody>
       </p:sp>
-      <p:cxnSp>
-        <p:nvCxnSpPr>
-          <p:cNvPr id="4" name="Прямая со стрелкой 3"/>
-          <p:cNvCxnSpPr/>
-          <p:nvPr/>
-        </p:nvCxnSpPr>
-        <p:spPr>
-          <a:xfrm flipV="1">
-            <a:off x="3099460" y="2250376"/>
-            <a:ext cx="2398815" cy="558138"/>
-          </a:xfrm>
-          <a:prstGeom prst="straightConnector1">
-            <a:avLst/>
-          </a:prstGeom>
-          <a:ln>
-            <a:solidFill>
-              <a:srgbClr val="C00000"/>
-            </a:solidFill>
-            <a:tailEnd type="triangle"/>
-          </a:ln>
-        </p:spPr>
-        <p:style>
-          <a:lnRef idx="1">
-            <a:schemeClr val="accent1"/>
-          </a:lnRef>
-          <a:fillRef idx="0">
-            <a:schemeClr val="accent1"/>
-          </a:fillRef>
-          <a:effectRef idx="0">
-            <a:schemeClr val="accent1"/>
-          </a:effectRef>
-          <a:fontRef idx="minor">
-            <a:schemeClr val="tx1"/>
-          </a:fontRef>
-        </p:style>
-      </p:cxnSp>
       <p:cxnSp>
         <p:nvCxnSpPr>
           <p:cNvPr id="6" name="Прямая со стрелкой 5"/>
@@ -5658,7 +5463,7 @@
         </p:nvCxnSpPr>
         <p:spPr>
           <a:xfrm flipV="1">
-            <a:off x="3099460" y="2268188"/>
+            <a:off x="4341520" y="2344388"/>
             <a:ext cx="2386940" cy="908461"/>
           </a:xfrm>
           <a:prstGeom prst="straightConnector1">
@@ -5694,7 +5499,7 @@
         </p:nvCxnSpPr>
         <p:spPr>
           <a:xfrm flipV="1">
-            <a:off x="3099460" y="2268190"/>
+            <a:off x="4341520" y="2344390"/>
             <a:ext cx="2386940" cy="1288470"/>
           </a:xfrm>
           <a:prstGeom prst="straightConnector1">
@@ -5730,7 +5535,7 @@
         </p:nvCxnSpPr>
         <p:spPr>
           <a:xfrm flipV="1">
-            <a:off x="3099460" y="2268188"/>
+            <a:off x="4341520" y="2344388"/>
             <a:ext cx="2386940" cy="1662544"/>
           </a:xfrm>
           <a:prstGeom prst="straightConnector1">
@@ -5760,50 +5565,13 @@
       </p:cxnSp>
       <p:cxnSp>
         <p:nvCxnSpPr>
-          <p:cNvPr id="20" name="Прямая со стрелкой 19"/>
-          <p:cNvCxnSpPr/>
-          <p:nvPr/>
-        </p:nvCxnSpPr>
-        <p:spPr>
-          <a:xfrm>
-            <a:off x="6679870" y="2250374"/>
-            <a:ext cx="961901" cy="558140"/>
-          </a:xfrm>
-          <a:prstGeom prst="straightConnector1">
-            <a:avLst/>
-          </a:prstGeom>
-          <a:ln>
-            <a:solidFill>
-              <a:srgbClr val="C00000"/>
-            </a:solidFill>
-            <a:headEnd type="triangle"/>
-            <a:tailEnd type="triangle"/>
-          </a:ln>
-        </p:spPr>
-        <p:style>
-          <a:lnRef idx="1">
-            <a:schemeClr val="accent1"/>
-          </a:lnRef>
-          <a:fillRef idx="0">
-            <a:schemeClr val="accent1"/>
-          </a:fillRef>
-          <a:effectRef idx="0">
-            <a:schemeClr val="accent1"/>
-          </a:effectRef>
-          <a:fontRef idx="minor">
-            <a:schemeClr val="tx1"/>
-          </a:fontRef>
-        </p:style>
-      </p:cxnSp>
-      <p:cxnSp>
-        <p:nvCxnSpPr>
           <p:cNvPr id="22" name="Прямая со стрелкой 21"/>
           <p:cNvCxnSpPr/>
           <p:nvPr/>
         </p:nvCxnSpPr>
         <p:spPr>
           <a:xfrm>
-            <a:off x="6715496" y="2250374"/>
+            <a:off x="7957556" y="2326574"/>
             <a:ext cx="926275" cy="926275"/>
           </a:xfrm>
           <a:prstGeom prst="straightConnector1">
@@ -5840,7 +5608,7 @@
         </p:nvCxnSpPr>
         <p:spPr>
           <a:xfrm>
-            <a:off x="6739247" y="2268187"/>
+            <a:off x="7981307" y="2344387"/>
             <a:ext cx="902524" cy="1238002"/>
           </a:xfrm>
           <a:prstGeom prst="straightConnector1">
@@ -5877,7 +5645,7 @@
         </p:nvCxnSpPr>
         <p:spPr>
           <a:xfrm>
-            <a:off x="6715496" y="2268187"/>
+            <a:off x="7957556" y="2344387"/>
             <a:ext cx="926275" cy="1609107"/>
           </a:xfrm>
           <a:prstGeom prst="straightConnector1">
@@ -5914,7 +5682,7 @@
         </p:nvCxnSpPr>
         <p:spPr>
           <a:xfrm>
-            <a:off x="6092042" y="2250374"/>
+            <a:off x="7334102" y="2326574"/>
             <a:ext cx="29688" cy="2167247"/>
           </a:xfrm>
           <a:prstGeom prst="straightConnector1">
@@ -5953,579 +5721,17 @@
   <p:clrMapOvr>
     <a:masterClrMapping/>
   </p:clrMapOvr>
-</p:sld>
-</file>
-
-<file path=ppt/slides/slide4.xml><?xml version="1.0" encoding="utf-8"?>
-<p:sld xmlns:a="http://schemas.openxmlformats.org/drawingml/2006/main" xmlns:r="http://schemas.openxmlformats.org/officeDocument/2006/relationships" xmlns:p="http://schemas.openxmlformats.org/presentationml/2006/main">
-  <p:cSld>
-    <p:spTree>
-      <p:nvGrpSpPr>
-        <p:cNvPr id="1" name=""/>
-        <p:cNvGrpSpPr/>
-        <p:nvPr/>
-      </p:nvGrpSpPr>
-      <p:grpSpPr>
-        <a:xfrm>
-          <a:off x="0" y="0"/>
-          <a:ext cx="0" cy="0"/>
-          <a:chOff x="0" y="0"/>
-          <a:chExt cx="0" cy="0"/>
-        </a:xfrm>
-      </p:grpSpPr>
-      <p:sp>
-        <p:nvSpPr>
-          <p:cNvPr id="3" name="Подзаголовок 2"/>
-          <p:cNvSpPr>
-            <a:spLocks noGrp="1"/>
-          </p:cNvSpPr>
-          <p:nvPr>
-            <p:ph type="subTitle" idx="1"/>
-          </p:nvPr>
-        </p:nvSpPr>
-        <p:spPr>
-          <a:xfrm>
-            <a:off x="1447799" y="2004060"/>
-            <a:ext cx="9304021" cy="3459480"/>
-          </a:xfrm>
-        </p:spPr>
-        <p:txBody>
-          <a:bodyPr>
-            <a:noAutofit/>
-          </a:bodyPr>
-          <a:lstStyle/>
-          <a:p>
-            <a:r>
-              <a:rPr lang="ru-RU" sz="2400" b="1" dirty="0" smtClean="0">
-                <a:solidFill>
-                  <a:schemeClr val="tx1"/>
-                </a:solidFill>
-              </a:rPr>
-              <a:t>План работы</a:t>
-            </a:r>
-            <a:r>
-              <a:rPr lang="en-US" sz="2400" b="1" dirty="0" smtClean="0">
-                <a:solidFill>
-                  <a:schemeClr val="tx1"/>
-                </a:solidFill>
-              </a:rPr>
-              <a:t>:</a:t>
-            </a:r>
-          </a:p>
-          <a:p>
-            <a:r>
-              <a:rPr lang="en-US" sz="2400" b="1" dirty="0" smtClean="0">
-                <a:solidFill>
-                  <a:schemeClr val="tx1"/>
-                </a:solidFill>
-              </a:rPr>
-              <a:t> </a:t>
-            </a:r>
-          </a:p>
-          <a:p>
-            <a:pPr marL="342900" indent="-342900" algn="l">
-              <a:buFont typeface="Arial" panose="020B0604020202020204" pitchFamily="34" charset="0"/>
-              <a:buChar char="•"/>
-            </a:pPr>
-            <a:r>
-              <a:rPr lang="ru-RU" sz="2400" dirty="0" smtClean="0">
-                <a:solidFill>
-                  <a:schemeClr val="tx1"/>
-                </a:solidFill>
-              </a:rPr>
-              <a:t>Сентябрь – выбор технологий</a:t>
-            </a:r>
-            <a:r>
-              <a:rPr lang="en-US" sz="2400" dirty="0" smtClean="0">
-                <a:solidFill>
-                  <a:schemeClr val="tx1"/>
-                </a:solidFill>
-              </a:rPr>
-              <a:t>, </a:t>
-            </a:r>
-            <a:r>
-              <a:rPr lang="ru-RU" sz="2400" dirty="0" smtClean="0">
-                <a:solidFill>
-                  <a:schemeClr val="tx1"/>
-                </a:solidFill>
-              </a:rPr>
-              <a:t>получение необходимого с наименьшими затратами</a:t>
-            </a:r>
-            <a:r>
-              <a:rPr lang="en-US" sz="2400" dirty="0" smtClean="0">
-                <a:solidFill>
-                  <a:schemeClr val="tx1"/>
-                </a:solidFill>
-              </a:rPr>
-              <a:t>.</a:t>
-            </a:r>
-            <a:endParaRPr lang="ru-RU" sz="2400" dirty="0" smtClean="0">
-              <a:solidFill>
-                <a:schemeClr val="tx1"/>
-              </a:solidFill>
-            </a:endParaRPr>
-          </a:p>
-          <a:p>
-            <a:pPr marL="342900" indent="-342900" algn="l">
-              <a:buFont typeface="Arial" panose="020B0604020202020204" pitchFamily="34" charset="0"/>
-              <a:buChar char="•"/>
-            </a:pPr>
-            <a:r>
-              <a:rPr lang="ru-RU" sz="2400" dirty="0" smtClean="0">
-                <a:solidFill>
-                  <a:schemeClr val="tx1"/>
-                </a:solidFill>
-              </a:rPr>
-              <a:t>Октябрь – создание веб-сервера</a:t>
-            </a:r>
-            <a:r>
-              <a:rPr lang="en-US" sz="2400" dirty="0" smtClean="0">
-                <a:solidFill>
-                  <a:schemeClr val="tx1"/>
-                </a:solidFill>
-              </a:rPr>
-              <a:t>, </a:t>
-            </a:r>
-            <a:r>
-              <a:rPr lang="ru-RU" sz="2400" dirty="0" smtClean="0">
-                <a:solidFill>
-                  <a:schemeClr val="tx1"/>
-                </a:solidFill>
-              </a:rPr>
-              <a:t>прототипа датчика</a:t>
-            </a:r>
-            <a:r>
-              <a:rPr lang="en-US" sz="2400" dirty="0" smtClean="0">
-                <a:solidFill>
-                  <a:schemeClr val="tx1"/>
-                </a:solidFill>
-              </a:rPr>
-              <a:t>,</a:t>
-            </a:r>
-            <a:r>
-              <a:rPr lang="ru-RU" sz="2400" dirty="0" smtClean="0">
-                <a:solidFill>
-                  <a:schemeClr val="tx1"/>
-                </a:solidFill>
-              </a:rPr>
-              <a:t> хостинг</a:t>
-            </a:r>
-            <a:r>
-              <a:rPr lang="en-US" sz="2400" dirty="0" smtClean="0">
-                <a:solidFill>
-                  <a:schemeClr val="tx1"/>
-                </a:solidFill>
-              </a:rPr>
-              <a:t>.</a:t>
-            </a:r>
-          </a:p>
-          <a:p>
-            <a:pPr marL="342900" indent="-342900" algn="l">
-              <a:buFont typeface="Arial" panose="020B0604020202020204" pitchFamily="34" charset="0"/>
-              <a:buChar char="•"/>
-            </a:pPr>
-            <a:r>
-              <a:rPr lang="ru-RU" sz="2400" dirty="0" smtClean="0">
-                <a:solidFill>
-                  <a:schemeClr val="tx1"/>
-                </a:solidFill>
-              </a:rPr>
-              <a:t>Ноябрь – создание </a:t>
-            </a:r>
-            <a:r>
-              <a:rPr lang="en-US" sz="2400" dirty="0" smtClean="0">
-                <a:solidFill>
-                  <a:schemeClr val="tx1"/>
-                </a:solidFill>
-              </a:rPr>
-              <a:t>Android </a:t>
-            </a:r>
-            <a:r>
-              <a:rPr lang="ru-RU" sz="2400" dirty="0" smtClean="0">
-                <a:solidFill>
-                  <a:schemeClr val="tx1"/>
-                </a:solidFill>
-              </a:rPr>
-              <a:t>приложение</a:t>
-            </a:r>
-            <a:r>
-              <a:rPr lang="en-US" sz="2400" dirty="0" smtClean="0">
-                <a:solidFill>
-                  <a:schemeClr val="tx1"/>
-                </a:solidFill>
-              </a:rPr>
-              <a:t>, </a:t>
-            </a:r>
-            <a:r>
-              <a:rPr lang="ru-RU" sz="2400" dirty="0" smtClean="0">
-                <a:solidFill>
-                  <a:schemeClr val="tx1"/>
-                </a:solidFill>
-              </a:rPr>
-              <a:t>объединение всех модулей</a:t>
-            </a:r>
-            <a:r>
-              <a:rPr lang="en-US" sz="2400" dirty="0" smtClean="0">
-                <a:solidFill>
-                  <a:schemeClr val="tx1"/>
-                </a:solidFill>
-              </a:rPr>
-              <a:t>.</a:t>
-            </a:r>
-          </a:p>
-          <a:p>
-            <a:pPr marL="342900" indent="-342900" algn="l">
-              <a:buFont typeface="Arial" panose="020B0604020202020204" pitchFamily="34" charset="0"/>
-              <a:buChar char="•"/>
-            </a:pPr>
-            <a:r>
-              <a:rPr lang="ru-RU" sz="2400" dirty="0" smtClean="0">
-                <a:solidFill>
-                  <a:schemeClr val="tx1"/>
-                </a:solidFill>
-              </a:rPr>
-              <a:t>Декабрь – отладка</a:t>
-            </a:r>
-            <a:r>
-              <a:rPr lang="en-US" sz="2400" dirty="0" smtClean="0">
-                <a:solidFill>
-                  <a:schemeClr val="tx1"/>
-                </a:solidFill>
-              </a:rPr>
-              <a:t>, </a:t>
-            </a:r>
-            <a:r>
-              <a:rPr lang="ru-RU" sz="2400" dirty="0" smtClean="0">
-                <a:solidFill>
-                  <a:schemeClr val="tx1"/>
-                </a:solidFill>
-              </a:rPr>
-              <a:t>минимизация потребления</a:t>
-            </a:r>
-            <a:r>
-              <a:rPr lang="en-US" sz="2400" dirty="0" smtClean="0">
-                <a:solidFill>
-                  <a:schemeClr val="tx1"/>
-                </a:solidFill>
-              </a:rPr>
-              <a:t>, </a:t>
-            </a:r>
-            <a:r>
-              <a:rPr lang="ru-RU" sz="2400" dirty="0" smtClean="0">
-                <a:solidFill>
-                  <a:schemeClr val="tx1"/>
-                </a:solidFill>
-              </a:rPr>
-              <a:t>чистка кода</a:t>
-            </a:r>
-            <a:r>
-              <a:rPr lang="en-US" sz="2400" dirty="0" smtClean="0">
-                <a:solidFill>
-                  <a:schemeClr val="tx1"/>
-                </a:solidFill>
-              </a:rPr>
-              <a:t>.</a:t>
-            </a:r>
-          </a:p>
-          <a:p>
-            <a:endParaRPr lang="ru-RU" sz="2400" dirty="0"/>
-          </a:p>
-        </p:txBody>
-      </p:sp>
-    </p:spTree>
-    <p:extLst>
-      <p:ext uri="{BB962C8B-B14F-4D97-AF65-F5344CB8AC3E}">
-        <p14:creationId xmlns:p14="http://schemas.microsoft.com/office/powerpoint/2010/main" val="1391759732"/>
-      </p:ext>
-    </p:extLst>
-  </p:cSld>
-  <p:clrMapOvr>
-    <a:masterClrMapping/>
-  </p:clrMapOvr>
+  <p:timing>
+    <p:tnLst>
+      <p:par>
+        <p:cTn id="1" dur="indefinite" restart="never" nodeType="tmRoot"/>
+      </p:par>
+    </p:tnLst>
+  </p:timing>
 </p:sld>
 </file>
 
 <file path=ppt/slides/slide5.xml><?xml version="1.0" encoding="utf-8"?>
-<p:sld xmlns:a="http://schemas.openxmlformats.org/drawingml/2006/main" xmlns:r="http://schemas.openxmlformats.org/officeDocument/2006/relationships" xmlns:p="http://schemas.openxmlformats.org/presentationml/2006/main">
-  <p:cSld>
-    <p:spTree>
-      <p:nvGrpSpPr>
-        <p:cNvPr id="1" name=""/>
-        <p:cNvGrpSpPr/>
-        <p:nvPr/>
-      </p:nvGrpSpPr>
-      <p:grpSpPr>
-        <a:xfrm>
-          <a:off x="0" y="0"/>
-          <a:ext cx="0" cy="0"/>
-          <a:chOff x="0" y="0"/>
-          <a:chExt cx="0" cy="0"/>
-        </a:xfrm>
-      </p:grpSpPr>
-      <p:pic>
-        <p:nvPicPr>
-          <p:cNvPr id="2050" name="Picture 2" descr="https://sun9-29.userapi.com/c855136/v855136461/1a7a87/YVt-mo77SA0.jpg"/>
-          <p:cNvPicPr>
-            <a:picLocks noChangeAspect="1" noChangeArrowheads="1"/>
-          </p:cNvPicPr>
-          <p:nvPr/>
-        </p:nvPicPr>
-        <p:blipFill>
-          <a:blip r:embed="rId2">
-            <a:extLst>
-              <a:ext uri="{28A0092B-C50C-407E-A947-70E740481C1C}">
-                <a14:useLocalDpi xmlns:a14="http://schemas.microsoft.com/office/drawing/2010/main" val="0"/>
-              </a:ext>
-            </a:extLst>
-          </a:blip>
-          <a:srcRect/>
-          <a:stretch>
-            <a:fillRect/>
-          </a:stretch>
-        </p:blipFill>
-        <p:spPr bwMode="auto">
-          <a:xfrm>
-            <a:off x="-142505" y="-1271578"/>
-            <a:ext cx="12423569" cy="9317678"/>
-          </a:xfrm>
-          <a:prstGeom prst="rect">
-            <a:avLst/>
-          </a:prstGeom>
-          <a:noFill/>
-          <a:extLst>
-            <a:ext uri="{909E8E84-426E-40DD-AFC4-6F175D3DCCD1}">
-              <a14:hiddenFill xmlns:a14="http://schemas.microsoft.com/office/drawing/2010/main">
-                <a:solidFill>
-                  <a:srgbClr val="FFFFFF"/>
-                </a:solidFill>
-              </a14:hiddenFill>
-            </a:ext>
-          </a:extLst>
-        </p:spPr>
-      </p:pic>
-    </p:spTree>
-    <p:extLst>
-      <p:ext uri="{BB962C8B-B14F-4D97-AF65-F5344CB8AC3E}">
-        <p14:creationId xmlns:p14="http://schemas.microsoft.com/office/powerpoint/2010/main" val="36740894"/>
-      </p:ext>
-    </p:extLst>
-  </p:cSld>
-  <p:clrMapOvr>
-    <a:masterClrMapping/>
-  </p:clrMapOvr>
-</p:sld>
-</file>
-
-<file path=ppt/slides/slide6.xml><?xml version="1.0" encoding="utf-8"?>
-<p:sld xmlns:a="http://schemas.openxmlformats.org/drawingml/2006/main" xmlns:r="http://schemas.openxmlformats.org/officeDocument/2006/relationships" xmlns:p="http://schemas.openxmlformats.org/presentationml/2006/main">
-  <p:cSld>
-    <p:spTree>
-      <p:nvGrpSpPr>
-        <p:cNvPr id="1" name=""/>
-        <p:cNvGrpSpPr/>
-        <p:nvPr/>
-      </p:nvGrpSpPr>
-      <p:grpSpPr>
-        <a:xfrm>
-          <a:off x="0" y="0"/>
-          <a:ext cx="0" cy="0"/>
-          <a:chOff x="0" y="0"/>
-          <a:chExt cx="0" cy="0"/>
-        </a:xfrm>
-      </p:grpSpPr>
-      <p:sp>
-        <p:nvSpPr>
-          <p:cNvPr id="3" name="Подзаголовок 2"/>
-          <p:cNvSpPr>
-            <a:spLocks noGrp="1"/>
-          </p:cNvSpPr>
-          <p:nvPr>
-            <p:ph type="subTitle" idx="1"/>
-          </p:nvPr>
-        </p:nvSpPr>
-        <p:spPr>
-          <a:xfrm>
-            <a:off x="1263525" y="3797373"/>
-            <a:ext cx="5344531" cy="1383796"/>
-          </a:xfrm>
-        </p:spPr>
-        <p:txBody>
-          <a:bodyPr>
-            <a:noAutofit/>
-          </a:bodyPr>
-          <a:lstStyle/>
-          <a:p>
-            <a:endParaRPr lang="ru-RU" sz="2400" dirty="0"/>
-          </a:p>
-        </p:txBody>
-      </p:sp>
-      <p:pic>
-        <p:nvPicPr>
-          <p:cNvPr id="5122" name="Picture 2" descr="http://screenshot.ru/cb34db502855e07947d89d833361421a.png"/>
-          <p:cNvPicPr>
-            <a:picLocks noChangeAspect="1" noChangeArrowheads="1"/>
-          </p:cNvPicPr>
-          <p:nvPr/>
-        </p:nvPicPr>
-        <p:blipFill>
-          <a:blip r:embed="rId2">
-            <a:extLst>
-              <a:ext uri="{28A0092B-C50C-407E-A947-70E740481C1C}">
-                <a14:useLocalDpi xmlns:a14="http://schemas.microsoft.com/office/drawing/2010/main" val="0"/>
-              </a:ext>
-            </a:extLst>
-          </a:blip>
-          <a:srcRect/>
-          <a:stretch>
-            <a:fillRect/>
-          </a:stretch>
-        </p:blipFill>
-        <p:spPr bwMode="auto">
-          <a:xfrm>
-            <a:off x="0" y="0"/>
-            <a:ext cx="12192000" cy="7160898"/>
-          </a:xfrm>
-          <a:prstGeom prst="rect">
-            <a:avLst/>
-          </a:prstGeom>
-          <a:noFill/>
-          <a:extLst>
-            <a:ext uri="{909E8E84-426E-40DD-AFC4-6F175D3DCCD1}">
-              <a14:hiddenFill xmlns:a14="http://schemas.microsoft.com/office/drawing/2010/main">
-                <a:solidFill>
-                  <a:srgbClr val="FFFFFF"/>
-                </a:solidFill>
-              </a14:hiddenFill>
-            </a:ext>
-          </a:extLst>
-        </p:spPr>
-      </p:pic>
-    </p:spTree>
-    <p:extLst>
-      <p:ext uri="{BB962C8B-B14F-4D97-AF65-F5344CB8AC3E}">
-        <p14:creationId xmlns:p14="http://schemas.microsoft.com/office/powerpoint/2010/main" val="3532954257"/>
-      </p:ext>
-    </p:extLst>
-  </p:cSld>
-  <p:clrMapOvr>
-    <a:masterClrMapping/>
-  </p:clrMapOvr>
-</p:sld>
-</file>
-
-<file path=ppt/slides/slide7.xml><?xml version="1.0" encoding="utf-8"?>
-<p:sld xmlns:a="http://schemas.openxmlformats.org/drawingml/2006/main" xmlns:r="http://schemas.openxmlformats.org/officeDocument/2006/relationships" xmlns:p="http://schemas.openxmlformats.org/presentationml/2006/main">
-  <p:cSld>
-    <p:spTree>
-      <p:nvGrpSpPr>
-        <p:cNvPr id="1" name=""/>
-        <p:cNvGrpSpPr/>
-        <p:nvPr/>
-      </p:nvGrpSpPr>
-      <p:grpSpPr>
-        <a:xfrm>
-          <a:off x="0" y="0"/>
-          <a:ext cx="0" cy="0"/>
-          <a:chOff x="0" y="0"/>
-          <a:chExt cx="0" cy="0"/>
-        </a:xfrm>
-      </p:grpSpPr>
-      <p:pic>
-        <p:nvPicPr>
-          <p:cNvPr id="7170" name="Picture 2" descr="http://screenshot.ru/7a5106ce0918d3ef00c05d1d9ca1e35b.png"/>
-          <p:cNvPicPr>
-            <a:picLocks noChangeAspect="1" noChangeArrowheads="1"/>
-          </p:cNvPicPr>
-          <p:nvPr/>
-        </p:nvPicPr>
-        <p:blipFill>
-          <a:blip r:embed="rId2">
-            <a:extLst>
-              <a:ext uri="{28A0092B-C50C-407E-A947-70E740481C1C}">
-                <a14:useLocalDpi xmlns:a14="http://schemas.microsoft.com/office/drawing/2010/main" val="0"/>
-              </a:ext>
-            </a:extLst>
-          </a:blip>
-          <a:srcRect/>
-          <a:stretch>
-            <a:fillRect/>
-          </a:stretch>
-        </p:blipFill>
-        <p:spPr bwMode="auto">
-          <a:xfrm>
-            <a:off x="0" y="1"/>
-            <a:ext cx="12192000" cy="6857999"/>
-          </a:xfrm>
-          <a:prstGeom prst="rect">
-            <a:avLst/>
-          </a:prstGeom>
-          <a:noFill/>
-          <a:extLst>
-            <a:ext uri="{909E8E84-426E-40DD-AFC4-6F175D3DCCD1}">
-              <a14:hiddenFill xmlns:a14="http://schemas.microsoft.com/office/drawing/2010/main">
-                <a:solidFill>
-                  <a:srgbClr val="FFFFFF"/>
-                </a:solidFill>
-              </a14:hiddenFill>
-            </a:ext>
-          </a:extLst>
-        </p:spPr>
-      </p:pic>
-      <p:pic>
-        <p:nvPicPr>
-          <p:cNvPr id="7172" name="Picture 4" descr="http://screenshot.ru/30e64e3299e0668250a189c12984f239.png"/>
-          <p:cNvPicPr>
-            <a:picLocks noChangeAspect="1" noChangeArrowheads="1"/>
-          </p:cNvPicPr>
-          <p:nvPr/>
-        </p:nvPicPr>
-        <p:blipFill>
-          <a:blip r:embed="rId3">
-            <a:extLst>
-              <a:ext uri="{28A0092B-C50C-407E-A947-70E740481C1C}">
-                <a14:useLocalDpi xmlns:a14="http://schemas.microsoft.com/office/drawing/2010/main" val="0"/>
-              </a:ext>
-            </a:extLst>
-          </a:blip>
-          <a:srcRect/>
-          <a:stretch>
-            <a:fillRect/>
-          </a:stretch>
-        </p:blipFill>
-        <p:spPr bwMode="auto">
-          <a:xfrm>
-            <a:off x="4857751" y="0"/>
-            <a:ext cx="7334250" cy="6858000"/>
-          </a:xfrm>
-          <a:prstGeom prst="rect">
-            <a:avLst/>
-          </a:prstGeom>
-          <a:noFill/>
-          <a:extLst>
-            <a:ext uri="{909E8E84-426E-40DD-AFC4-6F175D3DCCD1}">
-              <a14:hiddenFill xmlns:a14="http://schemas.microsoft.com/office/drawing/2010/main">
-                <a:solidFill>
-                  <a:srgbClr val="FFFFFF"/>
-                </a:solidFill>
-              </a14:hiddenFill>
-            </a:ext>
-          </a:extLst>
-        </p:spPr>
-      </p:pic>
-    </p:spTree>
-    <p:extLst>
-      <p:ext uri="{BB962C8B-B14F-4D97-AF65-F5344CB8AC3E}">
-        <p14:creationId xmlns:p14="http://schemas.microsoft.com/office/powerpoint/2010/main" val="1157684459"/>
-      </p:ext>
-    </p:extLst>
-  </p:cSld>
-  <p:clrMapOvr>
-    <a:masterClrMapping/>
-  </p:clrMapOvr>
-</p:sld>
-</file>
-
-<file path=ppt/slides/slide8.xml><?xml version="1.0" encoding="utf-8"?>
 <p:sld xmlns:a="http://schemas.openxmlformats.org/drawingml/2006/main" xmlns:r="http://schemas.openxmlformats.org/officeDocument/2006/relationships" xmlns:p="http://schemas.openxmlformats.org/presentationml/2006/main">
   <p:cSld>
     <p:spTree>
@@ -6634,10 +5840,17 @@
   <p:clrMapOvr>
     <a:masterClrMapping/>
   </p:clrMapOvr>
+  <p:timing>
+    <p:tnLst>
+      <p:par>
+        <p:cTn id="1" dur="indefinite" restart="never" nodeType="tmRoot"/>
+      </p:par>
+    </p:tnLst>
+  </p:timing>
 </p:sld>
 </file>
 
-<file path=ppt/slides/slide9.xml><?xml version="1.0" encoding="utf-8"?>
+<file path=ppt/slides/slide6.xml><?xml version="1.0" encoding="utf-8"?>
 <p:sld xmlns:a="http://schemas.openxmlformats.org/drawingml/2006/main" xmlns:r="http://schemas.openxmlformats.org/officeDocument/2006/relationships" xmlns:p="http://schemas.openxmlformats.org/presentationml/2006/main">
   <p:cSld>
     <p:spTree>
@@ -6682,7 +5895,7 @@
       </p:sp>
       <p:pic>
         <p:nvPicPr>
-          <p:cNvPr id="9222" name="Picture 6" descr="http://screenshot.ru/04c08f067c997e69fb865bc10dc7100b.png"/>
+          <p:cNvPr id="1028" name="Picture 4" descr="http://screenshot.ru/13cf0164e9cb91deaa1c411e510dd88b.png"/>
           <p:cNvPicPr>
             <a:picLocks noChangeAspect="1" noChangeArrowheads="1"/>
           </p:cNvPicPr>
@@ -6703,8 +5916,8 @@
         </p:blipFill>
         <p:spPr bwMode="auto">
           <a:xfrm>
-            <a:off x="-59963" y="0"/>
-            <a:ext cx="14438442" cy="6906347"/>
+            <a:off x="-266700" y="-731520"/>
+            <a:ext cx="14135100" cy="7589520"/>
           </a:xfrm>
           <a:prstGeom prst="rect">
             <a:avLst/>
@@ -6731,6 +5944,262 @@
   <p:clrMapOvr>
     <a:masterClrMapping/>
   </p:clrMapOvr>
+  <p:timing>
+    <p:tnLst>
+      <p:par>
+        <p:cTn id="1" dur="indefinite" restart="never" nodeType="tmRoot"/>
+      </p:par>
+    </p:tnLst>
+  </p:timing>
+</p:sld>
+</file>
+
+<file path=ppt/slides/slide7.xml><?xml version="1.0" encoding="utf-8"?>
+<p:sld xmlns:a="http://schemas.openxmlformats.org/drawingml/2006/main" xmlns:r="http://schemas.openxmlformats.org/officeDocument/2006/relationships" xmlns:p="http://schemas.openxmlformats.org/presentationml/2006/main">
+  <p:cSld>
+    <p:spTree>
+      <p:nvGrpSpPr>
+        <p:cNvPr id="1" name=""/>
+        <p:cNvGrpSpPr/>
+        <p:nvPr/>
+      </p:nvGrpSpPr>
+      <p:grpSpPr>
+        <a:xfrm>
+          <a:off x="0" y="0"/>
+          <a:ext cx="0" cy="0"/>
+          <a:chOff x="0" y="0"/>
+          <a:chExt cx="0" cy="0"/>
+        </a:xfrm>
+      </p:grpSpPr>
+      <p:sp>
+        <p:nvSpPr>
+          <p:cNvPr id="3" name="Подзаголовок 2"/>
+          <p:cNvSpPr>
+            <a:spLocks noGrp="1"/>
+          </p:cNvSpPr>
+          <p:nvPr>
+            <p:ph type="subTitle" idx="1"/>
+          </p:nvPr>
+        </p:nvSpPr>
+        <p:spPr>
+          <a:xfrm>
+            <a:off x="1447800" y="2194561"/>
+            <a:ext cx="9288780" cy="3566160"/>
+          </a:xfrm>
+        </p:spPr>
+        <p:txBody>
+          <a:bodyPr>
+            <a:noAutofit/>
+          </a:bodyPr>
+          <a:lstStyle/>
+          <a:p>
+            <a:pPr algn="l"/>
+            <a:r>
+              <a:rPr lang="ru-RU" sz="3200" b="1" dirty="0" smtClean="0">
+                <a:solidFill>
+                  <a:schemeClr val="tx1"/>
+                </a:solidFill>
+              </a:rPr>
+              <a:t>Выводы</a:t>
+            </a:r>
+            <a:r>
+              <a:rPr lang="en-US" sz="3200" b="1" dirty="0" smtClean="0">
+                <a:solidFill>
+                  <a:schemeClr val="tx1"/>
+                </a:solidFill>
+              </a:rPr>
+              <a:t>:</a:t>
+            </a:r>
+            <a:r>
+              <a:rPr lang="ru-RU" sz="3200" b="1" dirty="0">
+                <a:solidFill>
+                  <a:schemeClr val="tx1"/>
+                </a:solidFill>
+              </a:rPr>
+              <a:t> </a:t>
+            </a:r>
+            <a:r>
+              <a:rPr lang="ru-RU" sz="3200" dirty="0" smtClean="0">
+                <a:solidFill>
+                  <a:schemeClr val="tx1"/>
+                </a:solidFill>
+              </a:rPr>
+              <a:t>была создана открытая независимая система мало связных модулей</a:t>
+            </a:r>
+            <a:r>
+              <a:rPr lang="en-US" sz="3200" dirty="0" smtClean="0">
+                <a:solidFill>
+                  <a:schemeClr val="tx1"/>
+                </a:solidFill>
+              </a:rPr>
+              <a:t>, </a:t>
+            </a:r>
+            <a:r>
+              <a:rPr lang="ru-RU" sz="3200" dirty="0" smtClean="0">
+                <a:solidFill>
+                  <a:schemeClr val="tx1"/>
+                </a:solidFill>
+              </a:rPr>
+              <a:t>способная оповещать людей о настоящем состоянии погоды</a:t>
+            </a:r>
+            <a:r>
+              <a:rPr lang="en-US" sz="3200" dirty="0" smtClean="0">
+                <a:solidFill>
+                  <a:schemeClr val="tx1"/>
+                </a:solidFill>
+              </a:rPr>
+              <a:t>.</a:t>
+            </a:r>
+            <a:r>
+              <a:rPr lang="en-US" sz="3200" b="1" dirty="0" smtClean="0">
+                <a:solidFill>
+                  <a:schemeClr val="tx1"/>
+                </a:solidFill>
+              </a:rPr>
+              <a:t> </a:t>
+            </a:r>
+            <a:endParaRPr lang="en-US" sz="3200" dirty="0" smtClean="0">
+              <a:solidFill>
+                <a:schemeClr val="tx1"/>
+              </a:solidFill>
+            </a:endParaRPr>
+          </a:p>
+          <a:p>
+            <a:pPr algn="l"/>
+            <a:r>
+              <a:rPr lang="ru-RU" sz="3200" b="1" dirty="0" smtClean="0">
+                <a:solidFill>
+                  <a:schemeClr val="tx1"/>
+                </a:solidFill>
+              </a:rPr>
+              <a:t>Планы на будущее</a:t>
+            </a:r>
+            <a:r>
+              <a:rPr lang="en-US" sz="3200" b="1" dirty="0" smtClean="0">
+                <a:solidFill>
+                  <a:schemeClr val="tx1"/>
+                </a:solidFill>
+              </a:rPr>
+              <a:t>: </a:t>
+            </a:r>
+            <a:r>
+              <a:rPr lang="ru-RU" sz="3200" dirty="0" smtClean="0">
+                <a:solidFill>
+                  <a:schemeClr val="tx1"/>
+                </a:solidFill>
+              </a:rPr>
+              <a:t>подключение других проектов к инфраструктуре </a:t>
+            </a:r>
+            <a:r>
+              <a:rPr lang="ru-RU" sz="3200" dirty="0" err="1" smtClean="0">
+                <a:solidFill>
+                  <a:schemeClr val="tx1"/>
+                </a:solidFill>
+              </a:rPr>
+              <a:t>метео</a:t>
+            </a:r>
+            <a:r>
+              <a:rPr lang="ru-RU" sz="3200" dirty="0" smtClean="0">
+                <a:solidFill>
+                  <a:schemeClr val="tx1"/>
+                </a:solidFill>
+              </a:rPr>
+              <a:t>-сервиса</a:t>
+            </a:r>
+            <a:r>
+              <a:rPr lang="en-US" sz="3200" dirty="0" smtClean="0">
+                <a:solidFill>
+                  <a:schemeClr val="tx1">
+                    <a:lumMod val="95000"/>
+                    <a:lumOff val="5000"/>
+                  </a:schemeClr>
+                </a:solidFill>
+              </a:rPr>
+              <a:t>, </a:t>
+            </a:r>
+            <a:r>
+              <a:rPr lang="ru-RU" sz="3200" dirty="0" smtClean="0">
+                <a:solidFill>
+                  <a:schemeClr val="tx1">
+                    <a:lumMod val="95000"/>
+                    <a:lumOff val="5000"/>
+                  </a:schemeClr>
+                </a:solidFill>
+              </a:rPr>
+              <a:t>написать документацию к </a:t>
+            </a:r>
+            <a:r>
+              <a:rPr lang="ru-RU" sz="3200" dirty="0" smtClean="0">
+                <a:solidFill>
+                  <a:schemeClr val="tx1">
+                    <a:lumMod val="95000"/>
+                    <a:lumOff val="5000"/>
+                  </a:schemeClr>
+                </a:solidFill>
+              </a:rPr>
+              <a:t>коду</a:t>
+            </a:r>
+            <a:r>
+              <a:rPr lang="en-US" sz="3200" dirty="0" smtClean="0">
+                <a:solidFill>
+                  <a:schemeClr val="tx1">
+                    <a:lumMod val="95000"/>
+                    <a:lumOff val="5000"/>
+                  </a:schemeClr>
+                </a:solidFill>
+              </a:rPr>
+              <a:t>, </a:t>
+            </a:r>
+            <a:r>
+              <a:rPr lang="ru-RU" sz="3200" dirty="0" smtClean="0">
+                <a:solidFill>
+                  <a:schemeClr val="tx1">
+                    <a:lumMod val="95000"/>
+                    <a:lumOff val="5000"/>
+                  </a:schemeClr>
+                </a:solidFill>
+              </a:rPr>
+              <a:t>расширение </a:t>
+            </a:r>
+            <a:r>
+              <a:rPr lang="en-US" sz="3200" dirty="0" smtClean="0">
+                <a:solidFill>
+                  <a:schemeClr val="tx1">
+                    <a:lumMod val="95000"/>
+                    <a:lumOff val="5000"/>
+                  </a:schemeClr>
+                </a:solidFill>
+              </a:rPr>
+              <a:t>API.</a:t>
+            </a:r>
+            <a:endParaRPr lang="ru-RU" sz="3200" b="1" dirty="0">
+              <a:solidFill>
+                <a:schemeClr val="tx1">
+                  <a:lumMod val="95000"/>
+                  <a:lumOff val="5000"/>
+                </a:schemeClr>
+              </a:solidFill>
+            </a:endParaRPr>
+          </a:p>
+        </p:txBody>
+      </p:sp>
+    </p:spTree>
+    <p:extLst>
+      <p:ext uri="{BB962C8B-B14F-4D97-AF65-F5344CB8AC3E}">
+        <p14:creationId xmlns:p14="http://schemas.microsoft.com/office/powerpoint/2010/main" val="2660634465"/>
+      </p:ext>
+    </p:extLst>
+  </p:cSld>
+  <p:clrMapOvr>
+    <a:masterClrMapping/>
+  </p:clrMapOvr>
+  <p:timing>
+    <p:tnLst>
+      <p:par>
+        <p:cTn id="1" dur="indefinite" restart="never" nodeType="tmRoot"/>
+      </p:par>
+    </p:tnLst>
+  </p:timing>
 </p:sld>
 </file>
 
